--- a/Presentation/Presentation Memoire.pptx
+++ b/Presentation/Presentation Memoire.pptx
@@ -5,24 +5,46 @@
     <p:sldMasterId id="2147483648" r:id="rId1"/>
   </p:sldMasterIdLst>
   <p:notesMasterIdLst>
-    <p:notesMasterId r:id="rId17"/>
+    <p:notesMasterId r:id="rId39"/>
   </p:notesMasterIdLst>
   <p:sldIdLst>
     <p:sldId id="257" r:id="rId2"/>
     <p:sldId id="263" r:id="rId3"/>
     <p:sldId id="256" r:id="rId4"/>
-    <p:sldId id="264" r:id="rId5"/>
-    <p:sldId id="259" r:id="rId6"/>
-    <p:sldId id="274" r:id="rId7"/>
-    <p:sldId id="268" r:id="rId8"/>
-    <p:sldId id="275" r:id="rId9"/>
-    <p:sldId id="271" r:id="rId10"/>
-    <p:sldId id="273" r:id="rId11"/>
-    <p:sldId id="272" r:id="rId12"/>
-    <p:sldId id="269" r:id="rId13"/>
-    <p:sldId id="276" r:id="rId14"/>
-    <p:sldId id="258" r:id="rId15"/>
-    <p:sldId id="267" r:id="rId16"/>
+    <p:sldId id="277" r:id="rId5"/>
+    <p:sldId id="281" r:id="rId6"/>
+    <p:sldId id="264" r:id="rId7"/>
+    <p:sldId id="282" r:id="rId8"/>
+    <p:sldId id="278" r:id="rId9"/>
+    <p:sldId id="283" r:id="rId10"/>
+    <p:sldId id="284" r:id="rId11"/>
+    <p:sldId id="279" r:id="rId12"/>
+    <p:sldId id="285" r:id="rId13"/>
+    <p:sldId id="280" r:id="rId14"/>
+    <p:sldId id="286" r:id="rId15"/>
+    <p:sldId id="287" r:id="rId16"/>
+    <p:sldId id="259" r:id="rId17"/>
+    <p:sldId id="274" r:id="rId18"/>
+    <p:sldId id="288" r:id="rId19"/>
+    <p:sldId id="291" r:id="rId20"/>
+    <p:sldId id="289" r:id="rId21"/>
+    <p:sldId id="292" r:id="rId22"/>
+    <p:sldId id="290" r:id="rId23"/>
+    <p:sldId id="293" r:id="rId24"/>
+    <p:sldId id="268" r:id="rId25"/>
+    <p:sldId id="275" r:id="rId26"/>
+    <p:sldId id="294" r:id="rId27"/>
+    <p:sldId id="297" r:id="rId28"/>
+    <p:sldId id="295" r:id="rId29"/>
+    <p:sldId id="298" r:id="rId30"/>
+    <p:sldId id="296" r:id="rId31"/>
+    <p:sldId id="271" r:id="rId32"/>
+    <p:sldId id="273" r:id="rId33"/>
+    <p:sldId id="272" r:id="rId34"/>
+    <p:sldId id="269" r:id="rId35"/>
+    <p:sldId id="276" r:id="rId36"/>
+    <p:sldId id="258" r:id="rId37"/>
+    <p:sldId id="267" r:id="rId38"/>
   </p:sldIdLst>
   <p:sldSz cx="12192000" cy="6858000"/>
   <p:notesSz cx="6858000" cy="9144000"/>
@@ -121,7 +143,307 @@
       </a:defRPr>
     </a:lvl9pPr>
   </p:defaultTextStyle>
+  <p:extLst>
+    <p:ext uri="{EFAFB233-063F-42B5-8137-9DF3F51BA10A}">
+      <p15:sldGuideLst xmlns:p15="http://schemas.microsoft.com/office/powerpoint/2012/main"/>
+    </p:ext>
+  </p:extLst>
 </p:presentation>
+</file>
+
+<file path=ppt/changesInfos/changesInfo1.xml><?xml version="1.0" encoding="utf-8"?>
+<pc:chgInfo xmlns:a="http://schemas.openxmlformats.org/drawingml/2006/main" xmlns:r="http://schemas.openxmlformats.org/officeDocument/2006/relationships" xmlns:ac="http://schemas.microsoft.com/office/drawing/2013/main/command" xmlns:pc="http://schemas.microsoft.com/office/powerpoint/2013/main/command">
+  <pc:docChgLst>
+    <pc:chgData name="Omar DIASSE" userId="1c1982e4612ad145" providerId="LiveId" clId="{F9A0BA55-E630-4D26-919C-C25D502AF18F}"/>
+    <pc:docChg chg="undo custSel addSld delSld modSld">
+      <pc:chgData name="Omar DIASSE" userId="1c1982e4612ad145" providerId="LiveId" clId="{F9A0BA55-E630-4D26-919C-C25D502AF18F}" dt="2025-01-27T11:45:50.373" v="1387" actId="20577"/>
+      <pc:docMkLst>
+        <pc:docMk/>
+      </pc:docMkLst>
+      <pc:sldChg chg="modSp mod">
+        <pc:chgData name="Omar DIASSE" userId="1c1982e4612ad145" providerId="LiveId" clId="{F9A0BA55-E630-4D26-919C-C25D502AF18F}" dt="2025-01-27T10:27:09.149" v="119" actId="313"/>
+        <pc:sldMkLst>
+          <pc:docMk/>
+          <pc:sldMk cId="3794813465" sldId="274"/>
+        </pc:sldMkLst>
+        <pc:spChg chg="mod">
+          <ac:chgData name="Omar DIASSE" userId="1c1982e4612ad145" providerId="LiveId" clId="{F9A0BA55-E630-4D26-919C-C25D502AF18F}" dt="2025-01-27T10:27:09.149" v="119" actId="313"/>
+          <ac:spMkLst>
+            <pc:docMk/>
+            <pc:sldMk cId="3794813465" sldId="274"/>
+            <ac:spMk id="3" creationId="{B33589E9-AB4C-4061-9616-C71380534152}"/>
+          </ac:spMkLst>
+        </pc:spChg>
+      </pc:sldChg>
+      <pc:sldChg chg="modSp mod">
+        <pc:chgData name="Omar DIASSE" userId="1c1982e4612ad145" providerId="LiveId" clId="{F9A0BA55-E630-4D26-919C-C25D502AF18F}" dt="2025-01-27T10:48:13.886" v="859" actId="313"/>
+        <pc:sldMkLst>
+          <pc:docMk/>
+          <pc:sldMk cId="1549543962" sldId="275"/>
+        </pc:sldMkLst>
+        <pc:spChg chg="mod">
+          <ac:chgData name="Omar DIASSE" userId="1c1982e4612ad145" providerId="LiveId" clId="{F9A0BA55-E630-4D26-919C-C25D502AF18F}" dt="2025-01-27T10:48:13.886" v="859" actId="313"/>
+          <ac:spMkLst>
+            <pc:docMk/>
+            <pc:sldMk cId="1549543962" sldId="275"/>
+            <ac:spMk id="3" creationId="{B33589E9-AB4C-4061-9616-C71380534152}"/>
+          </ac:spMkLst>
+        </pc:spChg>
+      </pc:sldChg>
+      <pc:sldChg chg="modSp mod">
+        <pc:chgData name="Omar DIASSE" userId="1c1982e4612ad145" providerId="LiveId" clId="{F9A0BA55-E630-4D26-919C-C25D502AF18F}" dt="2025-01-27T10:32:07.162" v="168" actId="20577"/>
+        <pc:sldMkLst>
+          <pc:docMk/>
+          <pc:sldMk cId="26232499" sldId="284"/>
+        </pc:sldMkLst>
+        <pc:spChg chg="mod">
+          <ac:chgData name="Omar DIASSE" userId="1c1982e4612ad145" providerId="LiveId" clId="{F9A0BA55-E630-4D26-919C-C25D502AF18F}" dt="2025-01-27T10:32:07.162" v="168" actId="20577"/>
+          <ac:spMkLst>
+            <pc:docMk/>
+            <pc:sldMk cId="26232499" sldId="284"/>
+            <ac:spMk id="3" creationId="{B33589E9-AB4C-4061-9616-C71380534152}"/>
+          </ac:spMkLst>
+        </pc:spChg>
+      </pc:sldChg>
+      <pc:sldChg chg="modSp mod">
+        <pc:chgData name="Omar DIASSE" userId="1c1982e4612ad145" providerId="LiveId" clId="{F9A0BA55-E630-4D26-919C-C25D502AF18F}" dt="2025-01-27T11:45:50.373" v="1387" actId="20577"/>
+        <pc:sldMkLst>
+          <pc:docMk/>
+          <pc:sldMk cId="1961450764" sldId="285"/>
+        </pc:sldMkLst>
+        <pc:spChg chg="mod">
+          <ac:chgData name="Omar DIASSE" userId="1c1982e4612ad145" providerId="LiveId" clId="{F9A0BA55-E630-4D26-919C-C25D502AF18F}" dt="2025-01-27T11:45:50.373" v="1387" actId="20577"/>
+          <ac:spMkLst>
+            <pc:docMk/>
+            <pc:sldMk cId="1961450764" sldId="285"/>
+            <ac:spMk id="3" creationId="{B33589E9-AB4C-4061-9616-C71380534152}"/>
+          </ac:spMkLst>
+        </pc:spChg>
+      </pc:sldChg>
+      <pc:sldChg chg="add del">
+        <pc:chgData name="Omar DIASSE" userId="1c1982e4612ad145" providerId="LiveId" clId="{F9A0BA55-E630-4D26-919C-C25D502AF18F}" dt="2025-01-27T10:26:49.037" v="115"/>
+        <pc:sldMkLst>
+          <pc:docMk/>
+          <pc:sldMk cId="384409745" sldId="288"/>
+        </pc:sldMkLst>
+      </pc:sldChg>
+      <pc:sldChg chg="modSp add mod">
+        <pc:chgData name="Omar DIASSE" userId="1c1982e4612ad145" providerId="LiveId" clId="{F9A0BA55-E630-4D26-919C-C25D502AF18F}" dt="2025-01-27T10:27:17.788" v="124" actId="20577"/>
+        <pc:sldMkLst>
+          <pc:docMk/>
+          <pc:sldMk cId="4073160403" sldId="288"/>
+        </pc:sldMkLst>
+        <pc:spChg chg="mod">
+          <ac:chgData name="Omar DIASSE" userId="1c1982e4612ad145" providerId="LiveId" clId="{F9A0BA55-E630-4D26-919C-C25D502AF18F}" dt="2025-01-27T10:27:17.788" v="124" actId="20577"/>
+          <ac:spMkLst>
+            <pc:docMk/>
+            <pc:sldMk cId="4073160403" sldId="288"/>
+            <ac:spMk id="3" creationId="{B33589E9-AB4C-4061-9616-C71380534152}"/>
+          </ac:spMkLst>
+        </pc:spChg>
+      </pc:sldChg>
+      <pc:sldChg chg="modSp add mod">
+        <pc:chgData name="Omar DIASSE" userId="1c1982e4612ad145" providerId="LiveId" clId="{F9A0BA55-E630-4D26-919C-C25D502AF18F}" dt="2025-01-27T10:33:52.778" v="240"/>
+        <pc:sldMkLst>
+          <pc:docMk/>
+          <pc:sldMk cId="174778075" sldId="289"/>
+        </pc:sldMkLst>
+        <pc:spChg chg="mod">
+          <ac:chgData name="Omar DIASSE" userId="1c1982e4612ad145" providerId="LiveId" clId="{F9A0BA55-E630-4D26-919C-C25D502AF18F}" dt="2025-01-27T10:33:52.778" v="240"/>
+          <ac:spMkLst>
+            <pc:docMk/>
+            <pc:sldMk cId="174778075" sldId="289"/>
+            <ac:spMk id="3" creationId="{B33589E9-AB4C-4061-9616-C71380534152}"/>
+          </ac:spMkLst>
+        </pc:spChg>
+      </pc:sldChg>
+      <pc:sldChg chg="add del">
+        <pc:chgData name="Omar DIASSE" userId="1c1982e4612ad145" providerId="LiveId" clId="{F9A0BA55-E630-4D26-919C-C25D502AF18F}" dt="2025-01-27T10:26:48.048" v="114"/>
+        <pc:sldMkLst>
+          <pc:docMk/>
+          <pc:sldMk cId="236471157" sldId="289"/>
+        </pc:sldMkLst>
+      </pc:sldChg>
+      <pc:sldChg chg="modSp add mod">
+        <pc:chgData name="Omar DIASSE" userId="1c1982e4612ad145" providerId="LiveId" clId="{F9A0BA55-E630-4D26-919C-C25D502AF18F}" dt="2025-01-27T10:27:39.311" v="127" actId="20577"/>
+        <pc:sldMkLst>
+          <pc:docMk/>
+          <pc:sldMk cId="2457811499" sldId="290"/>
+        </pc:sldMkLst>
+        <pc:spChg chg="mod">
+          <ac:chgData name="Omar DIASSE" userId="1c1982e4612ad145" providerId="LiveId" clId="{F9A0BA55-E630-4D26-919C-C25D502AF18F}" dt="2025-01-27T10:27:39.311" v="127" actId="20577"/>
+          <ac:spMkLst>
+            <pc:docMk/>
+            <pc:sldMk cId="2457811499" sldId="290"/>
+            <ac:spMk id="3" creationId="{B33589E9-AB4C-4061-9616-C71380534152}"/>
+          </ac:spMkLst>
+        </pc:spChg>
+      </pc:sldChg>
+      <pc:sldChg chg="add del">
+        <pc:chgData name="Omar DIASSE" userId="1c1982e4612ad145" providerId="LiveId" clId="{F9A0BA55-E630-4D26-919C-C25D502AF18F}" dt="2025-01-27T10:26:47.574" v="113"/>
+        <pc:sldMkLst>
+          <pc:docMk/>
+          <pc:sldMk cId="2541287579" sldId="290"/>
+        </pc:sldMkLst>
+      </pc:sldChg>
+      <pc:sldChg chg="modSp add mod">
+        <pc:chgData name="Omar DIASSE" userId="1c1982e4612ad145" providerId="LiveId" clId="{F9A0BA55-E630-4D26-919C-C25D502AF18F}" dt="2025-01-27T10:33:38.802" v="238" actId="6549"/>
+        <pc:sldMkLst>
+          <pc:docMk/>
+          <pc:sldMk cId="1883044986" sldId="291"/>
+        </pc:sldMkLst>
+        <pc:spChg chg="mod">
+          <ac:chgData name="Omar DIASSE" userId="1c1982e4612ad145" providerId="LiveId" clId="{F9A0BA55-E630-4D26-919C-C25D502AF18F}" dt="2025-01-27T10:33:38.802" v="238" actId="6549"/>
+          <ac:spMkLst>
+            <pc:docMk/>
+            <pc:sldMk cId="1883044986" sldId="291"/>
+            <ac:spMk id="3" creationId="{B33589E9-AB4C-4061-9616-C71380534152}"/>
+          </ac:spMkLst>
+        </pc:spChg>
+      </pc:sldChg>
+      <pc:sldChg chg="add del">
+        <pc:chgData name="Omar DIASSE" userId="1c1982e4612ad145" providerId="LiveId" clId="{F9A0BA55-E630-4D26-919C-C25D502AF18F}" dt="2025-01-27T10:28:09.840" v="128" actId="47"/>
+        <pc:sldMkLst>
+          <pc:docMk/>
+          <pc:sldMk cId="2367465131" sldId="291"/>
+        </pc:sldMkLst>
+      </pc:sldChg>
+      <pc:sldChg chg="add del">
+        <pc:chgData name="Omar DIASSE" userId="1c1982e4612ad145" providerId="LiveId" clId="{F9A0BA55-E630-4D26-919C-C25D502AF18F}" dt="2025-01-27T10:26:47.168" v="112"/>
+        <pc:sldMkLst>
+          <pc:docMk/>
+          <pc:sldMk cId="3677260973" sldId="291"/>
+        </pc:sldMkLst>
+      </pc:sldChg>
+      <pc:sldChg chg="modSp add mod">
+        <pc:chgData name="Omar DIASSE" userId="1c1982e4612ad145" providerId="LiveId" clId="{F9A0BA55-E630-4D26-919C-C25D502AF18F}" dt="2025-01-27T10:36:08.124" v="414" actId="20577"/>
+        <pc:sldMkLst>
+          <pc:docMk/>
+          <pc:sldMk cId="3662510178" sldId="292"/>
+        </pc:sldMkLst>
+        <pc:spChg chg="mod">
+          <ac:chgData name="Omar DIASSE" userId="1c1982e4612ad145" providerId="LiveId" clId="{F9A0BA55-E630-4D26-919C-C25D502AF18F}" dt="2025-01-27T10:36:08.124" v="414" actId="20577"/>
+          <ac:spMkLst>
+            <pc:docMk/>
+            <pc:sldMk cId="3662510178" sldId="292"/>
+            <ac:spMk id="3" creationId="{B33589E9-AB4C-4061-9616-C71380534152}"/>
+          </ac:spMkLst>
+        </pc:spChg>
+      </pc:sldChg>
+      <pc:sldChg chg="add del">
+        <pc:chgData name="Omar DIASSE" userId="1c1982e4612ad145" providerId="LiveId" clId="{F9A0BA55-E630-4D26-919C-C25D502AF18F}" dt="2025-01-27T10:36:29.328" v="415" actId="47"/>
+        <pc:sldMkLst>
+          <pc:docMk/>
+          <pc:sldMk cId="304316956" sldId="293"/>
+        </pc:sldMkLst>
+      </pc:sldChg>
+      <pc:sldChg chg="modSp add mod">
+        <pc:chgData name="Omar DIASSE" userId="1c1982e4612ad145" providerId="LiveId" clId="{F9A0BA55-E630-4D26-919C-C25D502AF18F}" dt="2025-01-27T10:41:05.211" v="683" actId="313"/>
+        <pc:sldMkLst>
+          <pc:docMk/>
+          <pc:sldMk cId="2704375206" sldId="293"/>
+        </pc:sldMkLst>
+        <pc:spChg chg="mod">
+          <ac:chgData name="Omar DIASSE" userId="1c1982e4612ad145" providerId="LiveId" clId="{F9A0BA55-E630-4D26-919C-C25D502AF18F}" dt="2025-01-27T10:41:05.211" v="683" actId="313"/>
+          <ac:spMkLst>
+            <pc:docMk/>
+            <pc:sldMk cId="2704375206" sldId="293"/>
+            <ac:spMk id="3" creationId="{B33589E9-AB4C-4061-9616-C71380534152}"/>
+          </ac:spMkLst>
+        </pc:spChg>
+      </pc:sldChg>
+      <pc:sldChg chg="modSp add mod">
+        <pc:chgData name="Omar DIASSE" userId="1c1982e4612ad145" providerId="LiveId" clId="{F9A0BA55-E630-4D26-919C-C25D502AF18F}" dt="2025-01-27T10:48:38.990" v="865" actId="20577"/>
+        <pc:sldMkLst>
+          <pc:docMk/>
+          <pc:sldMk cId="1966590933" sldId="294"/>
+        </pc:sldMkLst>
+        <pc:spChg chg="mod">
+          <ac:chgData name="Omar DIASSE" userId="1c1982e4612ad145" providerId="LiveId" clId="{F9A0BA55-E630-4D26-919C-C25D502AF18F}" dt="2025-01-27T10:48:38.990" v="865" actId="20577"/>
+          <ac:spMkLst>
+            <pc:docMk/>
+            <pc:sldMk cId="1966590933" sldId="294"/>
+            <ac:spMk id="3" creationId="{B33589E9-AB4C-4061-9616-C71380534152}"/>
+          </ac:spMkLst>
+        </pc:spChg>
+      </pc:sldChg>
+      <pc:sldChg chg="add del">
+        <pc:chgData name="Omar DIASSE" userId="1c1982e4612ad145" providerId="LiveId" clId="{F9A0BA55-E630-4D26-919C-C25D502AF18F}" dt="2025-01-27T10:48:28.425" v="861" actId="47"/>
+        <pc:sldMkLst>
+          <pc:docMk/>
+          <pc:sldMk cId="2465873978" sldId="294"/>
+        </pc:sldMkLst>
+      </pc:sldChg>
+      <pc:sldChg chg="add del">
+        <pc:chgData name="Omar DIASSE" userId="1c1982e4612ad145" providerId="LiveId" clId="{F9A0BA55-E630-4D26-919C-C25D502AF18F}" dt="2025-01-27T10:35:00.488" v="313"/>
+        <pc:sldMkLst>
+          <pc:docMk/>
+          <pc:sldMk cId="3051804048" sldId="294"/>
+        </pc:sldMkLst>
+      </pc:sldChg>
+      <pc:sldChg chg="modSp add mod">
+        <pc:chgData name="Omar DIASSE" userId="1c1982e4612ad145" providerId="LiveId" clId="{F9A0BA55-E630-4D26-919C-C25D502AF18F}" dt="2025-01-27T10:48:47.354" v="867" actId="20577"/>
+        <pc:sldMkLst>
+          <pc:docMk/>
+          <pc:sldMk cId="4248559606" sldId="295"/>
+        </pc:sldMkLst>
+        <pc:spChg chg="mod">
+          <ac:chgData name="Omar DIASSE" userId="1c1982e4612ad145" providerId="LiveId" clId="{F9A0BA55-E630-4D26-919C-C25D502AF18F}" dt="2025-01-27T10:48:47.354" v="867" actId="20577"/>
+          <ac:spMkLst>
+            <pc:docMk/>
+            <pc:sldMk cId="4248559606" sldId="295"/>
+            <ac:spMk id="3" creationId="{B33589E9-AB4C-4061-9616-C71380534152}"/>
+          </ac:spMkLst>
+        </pc:spChg>
+      </pc:sldChg>
+      <pc:sldChg chg="modSp add mod">
+        <pc:chgData name="Omar DIASSE" userId="1c1982e4612ad145" providerId="LiveId" clId="{F9A0BA55-E630-4D26-919C-C25D502AF18F}" dt="2025-01-27T10:48:53.004" v="868" actId="20577"/>
+        <pc:sldMkLst>
+          <pc:docMk/>
+          <pc:sldMk cId="1722958927" sldId="296"/>
+        </pc:sldMkLst>
+        <pc:spChg chg="mod">
+          <ac:chgData name="Omar DIASSE" userId="1c1982e4612ad145" providerId="LiveId" clId="{F9A0BA55-E630-4D26-919C-C25D502AF18F}" dt="2025-01-27T10:48:53.004" v="868" actId="20577"/>
+          <ac:spMkLst>
+            <pc:docMk/>
+            <pc:sldMk cId="1722958927" sldId="296"/>
+            <ac:spMk id="3" creationId="{B33589E9-AB4C-4061-9616-C71380534152}"/>
+          </ac:spMkLst>
+        </pc:spChg>
+      </pc:sldChg>
+      <pc:sldChg chg="modSp add mod">
+        <pc:chgData name="Omar DIASSE" userId="1c1982e4612ad145" providerId="LiveId" clId="{F9A0BA55-E630-4D26-919C-C25D502AF18F}" dt="2025-01-27T10:52:41.768" v="1032" actId="313"/>
+        <pc:sldMkLst>
+          <pc:docMk/>
+          <pc:sldMk cId="3782855581" sldId="297"/>
+        </pc:sldMkLst>
+        <pc:spChg chg="mod">
+          <ac:chgData name="Omar DIASSE" userId="1c1982e4612ad145" providerId="LiveId" clId="{F9A0BA55-E630-4D26-919C-C25D502AF18F}" dt="2025-01-27T10:52:41.768" v="1032" actId="313"/>
+          <ac:spMkLst>
+            <pc:docMk/>
+            <pc:sldMk cId="3782855581" sldId="297"/>
+            <ac:spMk id="3" creationId="{B33589E9-AB4C-4061-9616-C71380534152}"/>
+          </ac:spMkLst>
+        </pc:spChg>
+      </pc:sldChg>
+      <pc:sldChg chg="modSp add mod">
+        <pc:chgData name="Omar DIASSE" userId="1c1982e4612ad145" providerId="LiveId" clId="{F9A0BA55-E630-4D26-919C-C25D502AF18F}" dt="2025-01-27T10:57:55.010" v="1337" actId="20577"/>
+        <pc:sldMkLst>
+          <pc:docMk/>
+          <pc:sldMk cId="2889893301" sldId="298"/>
+        </pc:sldMkLst>
+        <pc:spChg chg="mod">
+          <ac:chgData name="Omar DIASSE" userId="1c1982e4612ad145" providerId="LiveId" clId="{F9A0BA55-E630-4D26-919C-C25D502AF18F}" dt="2025-01-27T10:57:55.010" v="1337" actId="20577"/>
+          <ac:spMkLst>
+            <pc:docMk/>
+            <pc:sldMk cId="2889893301" sldId="298"/>
+            <ac:spMk id="3" creationId="{B33589E9-AB4C-4061-9616-C71380534152}"/>
+          </ac:spMkLst>
+        </pc:spChg>
+      </pc:sldChg>
+    </pc:docChg>
+  </pc:docChgLst>
+</pc:chgInfo>
 </file>
 
 <file path=ppt/notesMasters/notesMaster1.xml><?xml version="1.0" encoding="utf-8"?>
@@ -206,7 +528,7 @@
           <a:p>
             <a:fld id="{C1E2954D-FDB4-4816-8183-BF77B9D80329}" type="datetimeFigureOut">
               <a:rPr lang="en-US" smtClean="0"/>
-              <a:t>7/29/2024</a:t>
+              <a:t>1/27/2025</a:t>
             </a:fld>
             <a:endParaRPr lang="en-US"/>
           </a:p>
@@ -538,7 +860,7 @@
           <a:p>
             <a:fld id="{CBFD6530-82EE-4CD5-ACAF-DC1C3AF7BED5}" type="slidenum">
               <a:rPr lang="en-US" smtClean="0"/>
-              <a:t>11</a:t>
+              <a:t>33</a:t>
             </a:fld>
             <a:endParaRPr lang="en-US"/>
           </a:p>
@@ -704,7 +1026,7 @@
           <a:p>
             <a:fld id="{313C3EDD-6F34-47F4-BF32-3BCE81933B54}" type="datetimeFigureOut">
               <a:rPr lang="en-US" smtClean="0"/>
-              <a:t>7/28/2024</a:t>
+              <a:t>1/27/2025</a:t>
             </a:fld>
             <a:endParaRPr lang="en-US"/>
           </a:p>
@@ -902,7 +1224,7 @@
           <a:p>
             <a:fld id="{313C3EDD-6F34-47F4-BF32-3BCE81933B54}" type="datetimeFigureOut">
               <a:rPr lang="en-US" smtClean="0"/>
-              <a:t>7/28/2024</a:t>
+              <a:t>1/27/2025</a:t>
             </a:fld>
             <a:endParaRPr lang="en-US"/>
           </a:p>
@@ -1110,7 +1432,7 @@
           <a:p>
             <a:fld id="{313C3EDD-6F34-47F4-BF32-3BCE81933B54}" type="datetimeFigureOut">
               <a:rPr lang="en-US" smtClean="0"/>
-              <a:t>7/28/2024</a:t>
+              <a:t>1/27/2025</a:t>
             </a:fld>
             <a:endParaRPr lang="en-US"/>
           </a:p>
@@ -1308,7 +1630,7 @@
           <a:p>
             <a:fld id="{313C3EDD-6F34-47F4-BF32-3BCE81933B54}" type="datetimeFigureOut">
               <a:rPr lang="en-US" smtClean="0"/>
-              <a:t>7/28/2024</a:t>
+              <a:t>1/27/2025</a:t>
             </a:fld>
             <a:endParaRPr lang="en-US"/>
           </a:p>
@@ -1583,7 +1905,7 @@
           <a:p>
             <a:fld id="{313C3EDD-6F34-47F4-BF32-3BCE81933B54}" type="datetimeFigureOut">
               <a:rPr lang="en-US" smtClean="0"/>
-              <a:t>7/28/2024</a:t>
+              <a:t>1/27/2025</a:t>
             </a:fld>
             <a:endParaRPr lang="en-US"/>
           </a:p>
@@ -1848,7 +2170,7 @@
           <a:p>
             <a:fld id="{313C3EDD-6F34-47F4-BF32-3BCE81933B54}" type="datetimeFigureOut">
               <a:rPr lang="en-US" smtClean="0"/>
-              <a:t>7/28/2024</a:t>
+              <a:t>1/27/2025</a:t>
             </a:fld>
             <a:endParaRPr lang="en-US"/>
           </a:p>
@@ -2260,7 +2582,7 @@
           <a:p>
             <a:fld id="{313C3EDD-6F34-47F4-BF32-3BCE81933B54}" type="datetimeFigureOut">
               <a:rPr lang="en-US" smtClean="0"/>
-              <a:t>7/28/2024</a:t>
+              <a:t>1/27/2025</a:t>
             </a:fld>
             <a:endParaRPr lang="en-US"/>
           </a:p>
@@ -2401,7 +2723,7 @@
           <a:p>
             <a:fld id="{313C3EDD-6F34-47F4-BF32-3BCE81933B54}" type="datetimeFigureOut">
               <a:rPr lang="en-US" smtClean="0"/>
-              <a:t>7/28/2024</a:t>
+              <a:t>1/27/2025</a:t>
             </a:fld>
             <a:endParaRPr lang="en-US"/>
           </a:p>
@@ -2514,7 +2836,7 @@
           <a:p>
             <a:fld id="{313C3EDD-6F34-47F4-BF32-3BCE81933B54}" type="datetimeFigureOut">
               <a:rPr lang="en-US" smtClean="0"/>
-              <a:t>7/28/2024</a:t>
+              <a:t>1/27/2025</a:t>
             </a:fld>
             <a:endParaRPr lang="en-US"/>
           </a:p>
@@ -2825,7 +3147,7 @@
           <a:p>
             <a:fld id="{313C3EDD-6F34-47F4-BF32-3BCE81933B54}" type="datetimeFigureOut">
               <a:rPr lang="en-US" smtClean="0"/>
-              <a:t>7/28/2024</a:t>
+              <a:t>1/27/2025</a:t>
             </a:fld>
             <a:endParaRPr lang="en-US"/>
           </a:p>
@@ -3113,7 +3435,7 @@
           <a:p>
             <a:fld id="{313C3EDD-6F34-47F4-BF32-3BCE81933B54}" type="datetimeFigureOut">
               <a:rPr lang="en-US" smtClean="0"/>
-              <a:t>7/28/2024</a:t>
+              <a:t>1/27/2025</a:t>
             </a:fld>
             <a:endParaRPr lang="en-US"/>
           </a:p>
@@ -3354,7 +3676,7 @@
           <a:p>
             <a:fld id="{313C3EDD-6F34-47F4-BF32-3BCE81933B54}" type="datetimeFigureOut">
               <a:rPr lang="en-US" smtClean="0"/>
-              <a:t>7/28/2024</a:t>
+              <a:t>1/27/2025</a:t>
             </a:fld>
             <a:endParaRPr lang="en-US"/>
           </a:p>
@@ -3802,21 +4124,21 @@
             <a:pPr algn="l"/>
             <a:r>
               <a:rPr lang="fr-FR" sz="3200" dirty="0"/>
-              <a:t>Développement de modèles de Machine Learning pour faire une </a:t>
+              <a:t>Développement d’un modèle de Machine Learning pour faire une </a:t>
             </a:r>
             <a:br>
               <a:rPr lang="fr-FR" sz="3200" dirty="0"/>
             </a:br>
             <a:r>
               <a:rPr lang="fr-FR" sz="3200" dirty="0"/>
-              <a:t>analyse prédictive des finances d’une entreprise et le développement d’un </a:t>
+              <a:t>analyse financière (historique et prédictive) et le développement d’un </a:t>
             </a:r>
             <a:br>
               <a:rPr lang="fr-FR" sz="3200" dirty="0"/>
             </a:br>
             <a:r>
               <a:rPr lang="fr-FR" sz="3200" dirty="0"/>
-              <a:t>Chatbot pour communiquer avec ses états financiers.</a:t>
+              <a:t>Chatbot pour interroger les états financiers </a:t>
             </a:r>
             <a:endParaRPr lang="en-US" sz="3200" dirty="0"/>
           </a:p>
@@ -3981,7 +4303,7 @@
         <p:spPr>
           <a:xfrm>
             <a:off x="1524000" y="2350288"/>
-            <a:ext cx="9144000" cy="2585696"/>
+            <a:ext cx="9144000" cy="2328244"/>
           </a:xfrm>
         </p:spPr>
         <p:txBody>
@@ -3991,43 +4313,56 @@
           <a:lstStyle/>
           <a:p>
             <a:r>
+              <a:rPr lang="fr-SN" i="1" dirty="0"/>
+              <a:t>Motivations managériales</a:t>
+            </a:r>
+          </a:p>
+          <a:p>
+            <a:pPr marL="342900" indent="-342900" algn="l">
+              <a:buFont typeface="Arial" panose="020B0604020202020204" pitchFamily="34" charset="0"/>
+              <a:buChar char="•"/>
+            </a:pPr>
+            <a:r>
               <a:rPr lang="fr-SN" dirty="0"/>
-              <a:t>Prédiction  :</a:t>
-            </a:r>
-          </a:p>
-          <a:p>
+              <a:t>Trouver des solutions intelligentes aux problème de finance</a:t>
+            </a:r>
+          </a:p>
+          <a:p>
+            <a:pPr marL="342900" indent="-342900" algn="l">
+              <a:buFont typeface="Arial" panose="020B0604020202020204" pitchFamily="34" charset="0"/>
+              <a:buChar char="•"/>
+            </a:pPr>
             <a:r>
               <a:rPr lang="fr-SN" dirty="0"/>
-              <a:t>Recherche de données</a:t>
-            </a:r>
-          </a:p>
-          <a:p>
+              <a:t>Améliorer la gestion financière des entreprises</a:t>
+            </a:r>
+          </a:p>
+          <a:p>
+            <a:pPr marL="342900" indent="-342900" algn="l">
+              <a:buFont typeface="Arial" panose="020B0604020202020204" pitchFamily="34" charset="0"/>
+              <a:buChar char="•"/>
+            </a:pPr>
             <a:r>
               <a:rPr lang="fr-SN" dirty="0"/>
-              <a:t>Traitements des données</a:t>
-            </a:r>
-          </a:p>
-          <a:p>
+              <a:t>Faire la gestion des risques</a:t>
+            </a:r>
+          </a:p>
+          <a:p>
+            <a:pPr marL="342900" indent="-342900" algn="l">
+              <a:buFont typeface="Arial" panose="020B0604020202020204" pitchFamily="34" charset="0"/>
+              <a:buChar char="•"/>
+            </a:pPr>
             <a:r>
               <a:rPr lang="fr-SN" dirty="0"/>
-              <a:t>Observation de la tendance d’évolution</a:t>
-            </a:r>
-          </a:p>
-          <a:p>
-            <a:r>
-              <a:rPr lang="fr-SN" dirty="0"/>
-              <a:t>Modèle de régression</a:t>
-            </a:r>
-          </a:p>
-          <a:p>
-            <a:endParaRPr lang="fr-SN" dirty="0"/>
+              <a:t>Intégrer une analyse prédictive</a:t>
+            </a:r>
           </a:p>
         </p:txBody>
       </p:sp>
     </p:spTree>
     <p:extLst>
       <p:ext uri="{BB962C8B-B14F-4D97-AF65-F5344CB8AC3E}">
-        <p14:creationId xmlns:p14="http://schemas.microsoft.com/office/powerpoint/2010/main" val="3642815922"/>
+        <p14:creationId xmlns:p14="http://schemas.microsoft.com/office/powerpoint/2010/main" val="26232499"/>
       </p:ext>
     </p:extLst>
   </p:cSld>
@@ -4072,8 +4407,8 @@
         </p:nvSpPr>
         <p:spPr>
           <a:xfrm>
-            <a:off x="1524000" y="1284966"/>
-            <a:ext cx="9144000" cy="3846327"/>
+            <a:off x="1524000" y="2350288"/>
+            <a:ext cx="9144000" cy="1655762"/>
           </a:xfrm>
         </p:spPr>
         <p:txBody>
@@ -4084,62 +4419,7 @@
           <a:p>
             <a:r>
               <a:rPr lang="fr-SN" dirty="0"/>
-              <a:t>Chatbot :</a:t>
-            </a:r>
-          </a:p>
-          <a:p>
-            <a:r>
-              <a:rPr lang="fr-SN" dirty="0"/>
-              <a:t>Recherche de données</a:t>
-            </a:r>
-          </a:p>
-          <a:p>
-            <a:r>
-              <a:rPr lang="fr-SN" dirty="0"/>
-              <a:t>Traitements des données</a:t>
-            </a:r>
-          </a:p>
-          <a:p>
-            <a:r>
-              <a:rPr lang="fr-SN" dirty="0"/>
-              <a:t>La recherche en grille</a:t>
-            </a:r>
-          </a:p>
-          <a:p>
-            <a:r>
-              <a:rPr lang="fr-SN" dirty="0"/>
-              <a:t>Choix du modèle de Machine Learning</a:t>
-            </a:r>
-          </a:p>
-          <a:p>
-            <a:r>
-              <a:rPr lang="fr-SN" dirty="0"/>
-              <a:t>Intent classification</a:t>
-            </a:r>
-          </a:p>
-          <a:p>
-            <a:r>
-              <a:rPr lang="fr-SN" dirty="0"/>
-              <a:t>L’</a:t>
-            </a:r>
-            <a:r>
-              <a:rPr lang="fr-SN" dirty="0" err="1"/>
-              <a:t>Entity</a:t>
-            </a:r>
-            <a:r>
-              <a:rPr lang="fr-SN" dirty="0"/>
-              <a:t> </a:t>
-            </a:r>
-            <a:r>
-              <a:rPr lang="fr-SN" dirty="0" err="1"/>
-              <a:t>detection</a:t>
-            </a:r>
-            <a:endParaRPr lang="fr-SN" dirty="0"/>
-          </a:p>
-          <a:p>
-            <a:r>
-              <a:rPr lang="fr-SN" dirty="0"/>
-              <a:t>Gestion des réponses</a:t>
+              <a:t>Définition des termes clés</a:t>
             </a:r>
           </a:p>
         </p:txBody>
@@ -4147,7 +4427,7 @@
     </p:spTree>
     <p:extLst>
       <p:ext uri="{BB962C8B-B14F-4D97-AF65-F5344CB8AC3E}">
-        <p14:creationId xmlns:p14="http://schemas.microsoft.com/office/powerpoint/2010/main" val="4065746202"/>
+        <p14:creationId xmlns:p14="http://schemas.microsoft.com/office/powerpoint/2010/main" val="3410803560"/>
       </p:ext>
     </p:extLst>
   </p:cSld>
@@ -4176,112 +4456,84 @@
       </p:grpSpPr>
       <p:sp>
         <p:nvSpPr>
-          <p:cNvPr id="2" name="Title 1">
-            <a:extLst>
-              <a:ext uri="{FF2B5EF4-FFF2-40B4-BE49-F238E27FC236}">
-                <a16:creationId xmlns:a16="http://schemas.microsoft.com/office/drawing/2014/main" id="{F15B4E8F-D5FA-4D6C-99D7-1DC7F6876362}"/>
-              </a:ext>
-            </a:extLst>
-          </p:cNvPr>
-          <p:cNvSpPr>
-            <a:spLocks noGrp="1"/>
-          </p:cNvSpPr>
-          <p:nvPr>
-            <p:ph type="ctrTitle"/>
+          <p:cNvPr id="3" name="Subtitle 2">
+            <a:extLst>
+              <a:ext uri="{FF2B5EF4-FFF2-40B4-BE49-F238E27FC236}">
+                <a16:creationId xmlns:a16="http://schemas.microsoft.com/office/drawing/2014/main" id="{B33589E9-AB4C-4061-9616-C71380534152}"/>
+              </a:ext>
+            </a:extLst>
+          </p:cNvPr>
+          <p:cNvSpPr>
+            <a:spLocks noGrp="1"/>
+          </p:cNvSpPr>
+          <p:nvPr>
+            <p:ph type="subTitle" idx="1"/>
           </p:nvPr>
         </p:nvSpPr>
         <p:spPr>
           <a:xfrm>
-            <a:off x="2831592" y="710883"/>
-            <a:ext cx="9144000" cy="2387600"/>
+            <a:off x="1524000" y="2350287"/>
+            <a:ext cx="9144000" cy="2150691"/>
           </a:xfrm>
         </p:spPr>
         <p:txBody>
-          <a:bodyPr/>
-          <a:lstStyle/>
-          <a:p>
-            <a:r>
-              <a:rPr lang="fr-FR" dirty="0"/>
-              <a:t>Les résultats obtenus</a:t>
-            </a:r>
-          </a:p>
-        </p:txBody>
-      </p:sp>
-      <p:sp>
-        <p:nvSpPr>
-          <p:cNvPr id="3" name="Subtitle 2">
-            <a:extLst>
-              <a:ext uri="{FF2B5EF4-FFF2-40B4-BE49-F238E27FC236}">
-                <a16:creationId xmlns:a16="http://schemas.microsoft.com/office/drawing/2014/main" id="{B33589E9-AB4C-4061-9616-C71380534152}"/>
-              </a:ext>
-            </a:extLst>
-          </p:cNvPr>
-          <p:cNvSpPr>
-            <a:spLocks noGrp="1"/>
-          </p:cNvSpPr>
-          <p:nvPr>
-            <p:ph type="subTitle" idx="1"/>
-          </p:nvPr>
-        </p:nvSpPr>
-        <p:spPr/>
-        <p:txBody>
-          <a:bodyPr/>
-          <a:lstStyle/>
-          <a:p>
-            <a:endParaRPr lang="en-US" dirty="0"/>
-          </a:p>
-        </p:txBody>
-      </p:sp>
-      <p:sp>
-        <p:nvSpPr>
-          <p:cNvPr id="4" name="Rectangle 3">
-            <a:extLst>
-              <a:ext uri="{FF2B5EF4-FFF2-40B4-BE49-F238E27FC236}">
-                <a16:creationId xmlns:a16="http://schemas.microsoft.com/office/drawing/2014/main" id="{C8630DD3-6A47-4FC2-8872-89828CB07B06}"/>
-              </a:ext>
-            </a:extLst>
-          </p:cNvPr>
-          <p:cNvSpPr/>
-          <p:nvPr/>
-        </p:nvSpPr>
-        <p:spPr>
-          <a:xfrm rot="20109292">
-            <a:off x="-2884511" y="-254785"/>
-            <a:ext cx="6143347" cy="9928009"/>
-          </a:xfrm>
-          <a:prstGeom prst="rect">
-            <a:avLst/>
-          </a:prstGeom>
-        </p:spPr>
-        <p:style>
-          <a:lnRef idx="2">
-            <a:schemeClr val="dk1">
-              <a:shade val="50000"/>
-            </a:schemeClr>
-          </a:lnRef>
-          <a:fillRef idx="1">
-            <a:schemeClr val="dk1"/>
-          </a:fillRef>
-          <a:effectRef idx="0">
-            <a:schemeClr val="dk1"/>
-          </a:effectRef>
-          <a:fontRef idx="minor">
-            <a:schemeClr val="lt1"/>
-          </a:fontRef>
-        </p:style>
-        <p:txBody>
-          <a:bodyPr rtlCol="0" anchor="ctr"/>
-          <a:lstStyle/>
-          <a:p>
-            <a:pPr algn="ctr"/>
-            <a:endParaRPr lang="en-US"/>
+          <a:bodyPr>
+            <a:normAutofit fontScale="92500" lnSpcReduction="20000"/>
+          </a:bodyPr>
+          <a:lstStyle/>
+          <a:p>
+            <a:pPr algn="l"/>
+            <a:r>
+              <a:rPr lang="fr-SN" i="1" dirty="0"/>
+              <a:t>Intelligence artificielle :</a:t>
+            </a:r>
+          </a:p>
+          <a:p>
+            <a:pPr algn="l"/>
+            <a:r>
+              <a:rPr lang="fr-SN" i="1" dirty="0"/>
+              <a:t>Analyse financière :</a:t>
+            </a:r>
+          </a:p>
+          <a:p>
+            <a:pPr algn="l"/>
+            <a:r>
+              <a:rPr lang="fr-SN" i="1" dirty="0"/>
+              <a:t>Machine Learning :</a:t>
+            </a:r>
+          </a:p>
+          <a:p>
+            <a:pPr algn="l"/>
+            <a:r>
+              <a:rPr lang="fr-SN" i="1" dirty="0"/>
+              <a:t>NLP :</a:t>
+            </a:r>
+          </a:p>
+          <a:p>
+            <a:pPr algn="l"/>
+            <a:r>
+              <a:rPr lang="fr-SN" i="1" dirty="0"/>
+              <a:t>Analyse prédictive :</a:t>
+            </a:r>
+          </a:p>
+          <a:p>
+            <a:pPr algn="l"/>
+            <a:r>
+              <a:rPr lang="fr-SN" i="1"/>
+              <a:t>Chatbot :</a:t>
+            </a:r>
+            <a:endParaRPr lang="fr-SN" i="1" dirty="0"/>
+          </a:p>
+          <a:p>
+            <a:pPr algn="l"/>
+            <a:endParaRPr lang="fr-SN" i="1" dirty="0"/>
           </a:p>
         </p:txBody>
       </p:sp>
     </p:spTree>
     <p:extLst>
       <p:ext uri="{BB962C8B-B14F-4D97-AF65-F5344CB8AC3E}">
-        <p14:creationId xmlns:p14="http://schemas.microsoft.com/office/powerpoint/2010/main" val="1080711116"/>
+        <p14:creationId xmlns:p14="http://schemas.microsoft.com/office/powerpoint/2010/main" val="1961450764"/>
       </p:ext>
     </p:extLst>
   </p:cSld>
@@ -4326,8 +4578,8 @@
         </p:nvSpPr>
         <p:spPr>
           <a:xfrm>
-            <a:off x="1524000" y="2687643"/>
-            <a:ext cx="9144000" cy="1467107"/>
+            <a:off x="1524000" y="2350288"/>
+            <a:ext cx="9144000" cy="1655762"/>
           </a:xfrm>
         </p:spPr>
         <p:txBody>
@@ -4338,38 +4590,15 @@
           <a:p>
             <a:r>
               <a:rPr lang="fr-SN" dirty="0"/>
-              <a:t>Expliquer le fonctionnement des applications</a:t>
-            </a:r>
-          </a:p>
-          <a:p>
-            <a:r>
-              <a:rPr lang="fr-SN" dirty="0"/>
-              <a:t>Présenter les GUI</a:t>
-            </a:r>
-          </a:p>
-          <a:p>
-            <a:r>
-              <a:rPr lang="fr-SN" dirty="0"/>
-              <a:t>Réponses </a:t>
-            </a:r>
-            <a:r>
-              <a:rPr lang="af-ZA" dirty="0"/>
-              <a:t>à</a:t>
-            </a:r>
-            <a:r>
-              <a:rPr lang="fr-SN" dirty="0"/>
-              <a:t> la problématiques</a:t>
-            </a:r>
-          </a:p>
-          <a:p>
-            <a:endParaRPr lang="fr-SN" dirty="0"/>
+              <a:t>Problématique</a:t>
+            </a:r>
           </a:p>
         </p:txBody>
       </p:sp>
     </p:spTree>
     <p:extLst>
       <p:ext uri="{BB962C8B-B14F-4D97-AF65-F5344CB8AC3E}">
-        <p14:creationId xmlns:p14="http://schemas.microsoft.com/office/powerpoint/2010/main" val="3634076217"/>
+        <p14:creationId xmlns:p14="http://schemas.microsoft.com/office/powerpoint/2010/main" val="2802477294"/>
       </p:ext>
     </p:extLst>
   </p:cSld>
@@ -4398,112 +4627,50 @@
       </p:grpSpPr>
       <p:sp>
         <p:nvSpPr>
-          <p:cNvPr id="2" name="Title 1">
-            <a:extLst>
-              <a:ext uri="{FF2B5EF4-FFF2-40B4-BE49-F238E27FC236}">
-                <a16:creationId xmlns:a16="http://schemas.microsoft.com/office/drawing/2014/main" id="{F15B4E8F-D5FA-4D6C-99D7-1DC7F6876362}"/>
-              </a:ext>
-            </a:extLst>
-          </p:cNvPr>
-          <p:cNvSpPr>
-            <a:spLocks noGrp="1"/>
-          </p:cNvSpPr>
-          <p:nvPr>
-            <p:ph type="ctrTitle"/>
+          <p:cNvPr id="3" name="Subtitle 2">
+            <a:extLst>
+              <a:ext uri="{FF2B5EF4-FFF2-40B4-BE49-F238E27FC236}">
+                <a16:creationId xmlns:a16="http://schemas.microsoft.com/office/drawing/2014/main" id="{B33589E9-AB4C-4061-9616-C71380534152}"/>
+              </a:ext>
+            </a:extLst>
+          </p:cNvPr>
+          <p:cNvSpPr>
+            <a:spLocks noGrp="1"/>
+          </p:cNvSpPr>
+          <p:nvPr>
+            <p:ph type="subTitle" idx="1"/>
           </p:nvPr>
         </p:nvSpPr>
         <p:spPr>
           <a:xfrm>
-            <a:off x="2904744" y="765747"/>
-            <a:ext cx="9144000" cy="2387600"/>
+            <a:off x="1524000" y="2350288"/>
+            <a:ext cx="9144000" cy="1655762"/>
           </a:xfrm>
         </p:spPr>
         <p:txBody>
-          <a:bodyPr/>
-          <a:lstStyle/>
-          <a:p>
-            <a:r>
-              <a:rPr lang="fr-SN" dirty="0"/>
-              <a:t>Conclusion</a:t>
-            </a:r>
-          </a:p>
-        </p:txBody>
-      </p:sp>
-      <p:sp>
-        <p:nvSpPr>
-          <p:cNvPr id="3" name="Subtitle 2">
-            <a:extLst>
-              <a:ext uri="{FF2B5EF4-FFF2-40B4-BE49-F238E27FC236}">
-                <a16:creationId xmlns:a16="http://schemas.microsoft.com/office/drawing/2014/main" id="{B33589E9-AB4C-4061-9616-C71380534152}"/>
-              </a:ext>
-            </a:extLst>
-          </p:cNvPr>
-          <p:cNvSpPr>
-            <a:spLocks noGrp="1"/>
-          </p:cNvSpPr>
-          <p:nvPr>
-            <p:ph type="subTitle" idx="1"/>
-          </p:nvPr>
-        </p:nvSpPr>
-        <p:spPr/>
-        <p:txBody>
-          <a:bodyPr/>
-          <a:lstStyle/>
-          <a:p>
+          <a:bodyPr>
+            <a:normAutofit/>
+          </a:bodyPr>
+          <a:lstStyle/>
+          <a:p>
+            <a:r>
+              <a:rPr lang="en-US" dirty="0"/>
+              <a:t>Question de recherche :</a:t>
+            </a:r>
+          </a:p>
+          <a:p>
+            <a:r>
+              <a:rPr lang="fr-FR" dirty="0"/>
+              <a:t>Quels modèles de Machine Learning pour une analyse et une interrogation des états financiers des sociétés cotées à la bourse régionale des valeurs mobilières (BRVM)</a:t>
+            </a:r>
             <a:endParaRPr lang="fr-SN" dirty="0"/>
-          </a:p>
-        </p:txBody>
-      </p:sp>
-      <p:sp>
-        <p:nvSpPr>
-          <p:cNvPr id="4" name="Rectangle 3">
-            <a:extLst>
-              <a:ext uri="{FF2B5EF4-FFF2-40B4-BE49-F238E27FC236}">
-                <a16:creationId xmlns:a16="http://schemas.microsoft.com/office/drawing/2014/main" id="{C568869F-FA69-4A48-B933-7511E59D183F}"/>
-              </a:ext>
-            </a:extLst>
-          </p:cNvPr>
-          <p:cNvSpPr/>
-          <p:nvPr/>
-        </p:nvSpPr>
-        <p:spPr>
-          <a:xfrm rot="20109292">
-            <a:off x="-2884511" y="-254785"/>
-            <a:ext cx="6143347" cy="9928009"/>
-          </a:xfrm>
-          <a:prstGeom prst="rect">
-            <a:avLst/>
-          </a:prstGeom>
-        </p:spPr>
-        <p:style>
-          <a:lnRef idx="2">
-            <a:schemeClr val="dk1">
-              <a:shade val="50000"/>
-            </a:schemeClr>
-          </a:lnRef>
-          <a:fillRef idx="1">
-            <a:schemeClr val="dk1"/>
-          </a:fillRef>
-          <a:effectRef idx="0">
-            <a:schemeClr val="dk1"/>
-          </a:effectRef>
-          <a:fontRef idx="minor">
-            <a:schemeClr val="lt1"/>
-          </a:fontRef>
-        </p:style>
-        <p:txBody>
-          <a:bodyPr rtlCol="0" anchor="ctr"/>
-          <a:lstStyle/>
-          <a:p>
-            <a:pPr algn="ctr"/>
-            <a:endParaRPr lang="en-US"/>
           </a:p>
         </p:txBody>
       </p:sp>
     </p:spTree>
     <p:extLst>
       <p:ext uri="{BB962C8B-B14F-4D97-AF65-F5344CB8AC3E}">
-        <p14:creationId xmlns:p14="http://schemas.microsoft.com/office/powerpoint/2010/main" val="791997376"/>
+        <p14:creationId xmlns:p14="http://schemas.microsoft.com/office/powerpoint/2010/main" val="206548286"/>
       </p:ext>
     </p:extLst>
   </p:cSld>
@@ -4559,23 +4726,21 @@
           <a:lstStyle/>
           <a:p>
             <a:r>
-              <a:rPr lang="fr-SN" dirty="0"/>
-              <a:t>Rappeler la réponse</a:t>
-            </a:r>
-          </a:p>
-          <a:p>
-            <a:r>
-              <a:rPr lang="fr-SN" dirty="0"/>
-              <a:t>Établir les éventuelles limites et les difficultés</a:t>
-            </a:r>
-          </a:p>
-          <a:p>
-            <a:r>
-              <a:rPr lang="fr-SN" dirty="0"/>
-              <a:t>Perspectives</a:t>
-            </a:r>
-          </a:p>
-          <a:p>
+              <a:rPr lang="en-US" dirty="0" err="1"/>
+              <a:t>Contexte</a:t>
+            </a:r>
+            <a:r>
+              <a:rPr lang="en-US" dirty="0"/>
+              <a:t> de la </a:t>
+            </a:r>
+            <a:r>
+              <a:rPr lang="en-US" dirty="0" err="1"/>
+              <a:t>problématique</a:t>
+            </a:r>
+            <a:r>
+              <a:rPr lang="en-US" dirty="0"/>
+              <a:t> :</a:t>
+            </a:r>
             <a:endParaRPr lang="fr-SN" dirty="0"/>
           </a:p>
         </p:txBody>
@@ -4583,7 +4748,372 @@
     </p:spTree>
     <p:extLst>
       <p:ext uri="{BB962C8B-B14F-4D97-AF65-F5344CB8AC3E}">
-        <p14:creationId xmlns:p14="http://schemas.microsoft.com/office/powerpoint/2010/main" val="2906067636"/>
+        <p14:creationId xmlns:p14="http://schemas.microsoft.com/office/powerpoint/2010/main" val="2955952815"/>
+      </p:ext>
+    </p:extLst>
+  </p:cSld>
+  <p:clrMapOvr>
+    <a:masterClrMapping/>
+  </p:clrMapOvr>
+</p:sld>
+</file>
+
+<file path=ppt/slides/slide16.xml><?xml version="1.0" encoding="utf-8"?>
+<p:sld xmlns:a="http://schemas.openxmlformats.org/drawingml/2006/main" xmlns:r="http://schemas.openxmlformats.org/officeDocument/2006/relationships" xmlns:p="http://schemas.openxmlformats.org/presentationml/2006/main">
+  <p:cSld>
+    <p:spTree>
+      <p:nvGrpSpPr>
+        <p:cNvPr id="1" name=""/>
+        <p:cNvGrpSpPr/>
+        <p:nvPr/>
+      </p:nvGrpSpPr>
+      <p:grpSpPr>
+        <a:xfrm>
+          <a:off x="0" y="0"/>
+          <a:ext cx="0" cy="0"/>
+          <a:chOff x="0" y="0"/>
+          <a:chExt cx="0" cy="0"/>
+        </a:xfrm>
+      </p:grpSpPr>
+      <p:sp>
+        <p:nvSpPr>
+          <p:cNvPr id="2" name="Title 1">
+            <a:extLst>
+              <a:ext uri="{FF2B5EF4-FFF2-40B4-BE49-F238E27FC236}">
+                <a16:creationId xmlns:a16="http://schemas.microsoft.com/office/drawing/2014/main" id="{F15B4E8F-D5FA-4D6C-99D7-1DC7F6876362}"/>
+              </a:ext>
+            </a:extLst>
+          </p:cNvPr>
+          <p:cNvSpPr>
+            <a:spLocks noGrp="1"/>
+          </p:cNvSpPr>
+          <p:nvPr>
+            <p:ph type="ctrTitle"/>
+          </p:nvPr>
+        </p:nvSpPr>
+        <p:spPr>
+          <a:xfrm>
+            <a:off x="2923032" y="1041400"/>
+            <a:ext cx="9144000" cy="2387600"/>
+          </a:xfrm>
+        </p:spPr>
+        <p:txBody>
+          <a:bodyPr/>
+          <a:lstStyle/>
+          <a:p>
+            <a:r>
+              <a:rPr lang="fr-FR" dirty="0"/>
+              <a:t>La revue de la littérature</a:t>
+            </a:r>
+          </a:p>
+        </p:txBody>
+      </p:sp>
+      <p:sp>
+        <p:nvSpPr>
+          <p:cNvPr id="3" name="Subtitle 2">
+            <a:extLst>
+              <a:ext uri="{FF2B5EF4-FFF2-40B4-BE49-F238E27FC236}">
+                <a16:creationId xmlns:a16="http://schemas.microsoft.com/office/drawing/2014/main" id="{B33589E9-AB4C-4061-9616-C71380534152}"/>
+              </a:ext>
+            </a:extLst>
+          </p:cNvPr>
+          <p:cNvSpPr>
+            <a:spLocks noGrp="1"/>
+          </p:cNvSpPr>
+          <p:nvPr>
+            <p:ph type="subTitle" idx="1"/>
+          </p:nvPr>
+        </p:nvSpPr>
+        <p:spPr/>
+        <p:txBody>
+          <a:bodyPr/>
+          <a:lstStyle/>
+          <a:p>
+            <a:endParaRPr lang="en-US" dirty="0"/>
+          </a:p>
+        </p:txBody>
+      </p:sp>
+      <p:sp>
+        <p:nvSpPr>
+          <p:cNvPr id="4" name="Rectangle 3">
+            <a:extLst>
+              <a:ext uri="{FF2B5EF4-FFF2-40B4-BE49-F238E27FC236}">
+                <a16:creationId xmlns:a16="http://schemas.microsoft.com/office/drawing/2014/main" id="{5063A5AF-ACCD-4CA0-A97F-85D3D163D6C2}"/>
+              </a:ext>
+            </a:extLst>
+          </p:cNvPr>
+          <p:cNvSpPr/>
+          <p:nvPr/>
+        </p:nvSpPr>
+        <p:spPr>
+          <a:xfrm rot="20109292">
+            <a:off x="-2884511" y="-254785"/>
+            <a:ext cx="6143347" cy="9928009"/>
+          </a:xfrm>
+          <a:prstGeom prst="rect">
+            <a:avLst/>
+          </a:prstGeom>
+        </p:spPr>
+        <p:style>
+          <a:lnRef idx="2">
+            <a:schemeClr val="dk1">
+              <a:shade val="50000"/>
+            </a:schemeClr>
+          </a:lnRef>
+          <a:fillRef idx="1">
+            <a:schemeClr val="dk1"/>
+          </a:fillRef>
+          <a:effectRef idx="0">
+            <a:schemeClr val="dk1"/>
+          </a:effectRef>
+          <a:fontRef idx="minor">
+            <a:schemeClr val="lt1"/>
+          </a:fontRef>
+        </p:style>
+        <p:txBody>
+          <a:bodyPr rtlCol="0" anchor="ctr"/>
+          <a:lstStyle/>
+          <a:p>
+            <a:pPr algn="ctr"/>
+            <a:endParaRPr lang="en-US"/>
+          </a:p>
+        </p:txBody>
+      </p:sp>
+    </p:spTree>
+    <p:extLst>
+      <p:ext uri="{BB962C8B-B14F-4D97-AF65-F5344CB8AC3E}">
+        <p14:creationId xmlns:p14="http://schemas.microsoft.com/office/powerpoint/2010/main" val="2266349983"/>
+      </p:ext>
+    </p:extLst>
+  </p:cSld>
+  <p:clrMapOvr>
+    <a:masterClrMapping/>
+  </p:clrMapOvr>
+</p:sld>
+</file>
+
+<file path=ppt/slides/slide17.xml><?xml version="1.0" encoding="utf-8"?>
+<p:sld xmlns:a="http://schemas.openxmlformats.org/drawingml/2006/main" xmlns:r="http://schemas.openxmlformats.org/officeDocument/2006/relationships" xmlns:p="http://schemas.openxmlformats.org/presentationml/2006/main">
+  <p:cSld>
+    <p:spTree>
+      <p:nvGrpSpPr>
+        <p:cNvPr id="1" name=""/>
+        <p:cNvGrpSpPr/>
+        <p:nvPr/>
+      </p:nvGrpSpPr>
+      <p:grpSpPr>
+        <a:xfrm>
+          <a:off x="0" y="0"/>
+          <a:ext cx="0" cy="0"/>
+          <a:chOff x="0" y="0"/>
+          <a:chExt cx="0" cy="0"/>
+        </a:xfrm>
+      </p:grpSpPr>
+      <p:sp>
+        <p:nvSpPr>
+          <p:cNvPr id="3" name="Subtitle 2">
+            <a:extLst>
+              <a:ext uri="{FF2B5EF4-FFF2-40B4-BE49-F238E27FC236}">
+                <a16:creationId xmlns:a16="http://schemas.microsoft.com/office/drawing/2014/main" id="{B33589E9-AB4C-4061-9616-C71380534152}"/>
+              </a:ext>
+            </a:extLst>
+          </p:cNvPr>
+          <p:cNvSpPr>
+            <a:spLocks noGrp="1"/>
+          </p:cNvSpPr>
+          <p:nvPr>
+            <p:ph type="subTitle" idx="1"/>
+          </p:nvPr>
+        </p:nvSpPr>
+        <p:spPr>
+          <a:xfrm>
+            <a:off x="1524000" y="2350288"/>
+            <a:ext cx="9144000" cy="1422722"/>
+          </a:xfrm>
+        </p:spPr>
+        <p:txBody>
+          <a:bodyPr>
+            <a:normAutofit/>
+          </a:bodyPr>
+          <a:lstStyle/>
+          <a:p>
+            <a:r>
+              <a:rPr lang="fr-SN" dirty="0"/>
+              <a:t>Application de l’IA sur la finance</a:t>
+            </a:r>
+          </a:p>
+          <a:p>
+            <a:r>
+              <a:rPr lang="fr-SN" dirty="0"/>
+              <a:t>L’IA dans l’analyse des états financiers</a:t>
+            </a:r>
+          </a:p>
+          <a:p>
+            <a:r>
+              <a:rPr lang="fr-SN" dirty="0"/>
+              <a:t>La nouveauté que l’on va apportée</a:t>
+            </a:r>
+          </a:p>
+        </p:txBody>
+      </p:sp>
+    </p:spTree>
+    <p:extLst>
+      <p:ext uri="{BB962C8B-B14F-4D97-AF65-F5344CB8AC3E}">
+        <p14:creationId xmlns:p14="http://schemas.microsoft.com/office/powerpoint/2010/main" val="3794813465"/>
+      </p:ext>
+    </p:extLst>
+  </p:cSld>
+  <p:clrMapOvr>
+    <a:masterClrMapping/>
+  </p:clrMapOvr>
+</p:sld>
+</file>
+
+<file path=ppt/slides/slide18.xml><?xml version="1.0" encoding="utf-8"?>
+<p:sld xmlns:a="http://schemas.openxmlformats.org/drawingml/2006/main" xmlns:r="http://schemas.openxmlformats.org/officeDocument/2006/relationships" xmlns:p="http://schemas.openxmlformats.org/presentationml/2006/main">
+  <p:cSld>
+    <p:spTree>
+      <p:nvGrpSpPr>
+        <p:cNvPr id="1" name=""/>
+        <p:cNvGrpSpPr/>
+        <p:nvPr/>
+      </p:nvGrpSpPr>
+      <p:grpSpPr>
+        <a:xfrm>
+          <a:off x="0" y="0"/>
+          <a:ext cx="0" cy="0"/>
+          <a:chOff x="0" y="0"/>
+          <a:chExt cx="0" cy="0"/>
+        </a:xfrm>
+      </p:grpSpPr>
+      <p:sp>
+        <p:nvSpPr>
+          <p:cNvPr id="3" name="Subtitle 2">
+            <a:extLst>
+              <a:ext uri="{FF2B5EF4-FFF2-40B4-BE49-F238E27FC236}">
+                <a16:creationId xmlns:a16="http://schemas.microsoft.com/office/drawing/2014/main" id="{B33589E9-AB4C-4061-9616-C71380534152}"/>
+              </a:ext>
+            </a:extLst>
+          </p:cNvPr>
+          <p:cNvSpPr>
+            <a:spLocks noGrp="1"/>
+          </p:cNvSpPr>
+          <p:nvPr>
+            <p:ph type="subTitle" idx="1"/>
+          </p:nvPr>
+        </p:nvSpPr>
+        <p:spPr>
+          <a:xfrm>
+            <a:off x="1524000" y="2350288"/>
+            <a:ext cx="9144000" cy="1422722"/>
+          </a:xfrm>
+        </p:spPr>
+        <p:txBody>
+          <a:bodyPr>
+            <a:normAutofit/>
+          </a:bodyPr>
+          <a:lstStyle/>
+          <a:p>
+            <a:r>
+              <a:rPr lang="fr-SN" dirty="0"/>
+              <a:t>Application de l’IA sur la finance</a:t>
+            </a:r>
+          </a:p>
+        </p:txBody>
+      </p:sp>
+    </p:spTree>
+    <p:extLst>
+      <p:ext uri="{BB962C8B-B14F-4D97-AF65-F5344CB8AC3E}">
+        <p14:creationId xmlns:p14="http://schemas.microsoft.com/office/powerpoint/2010/main" val="4073160403"/>
+      </p:ext>
+    </p:extLst>
+  </p:cSld>
+  <p:clrMapOvr>
+    <a:masterClrMapping/>
+  </p:clrMapOvr>
+</p:sld>
+</file>
+
+<file path=ppt/slides/slide19.xml><?xml version="1.0" encoding="utf-8"?>
+<p:sld xmlns:a="http://schemas.openxmlformats.org/drawingml/2006/main" xmlns:r="http://schemas.openxmlformats.org/officeDocument/2006/relationships" xmlns:p="http://schemas.openxmlformats.org/presentationml/2006/main">
+  <p:cSld>
+    <p:spTree>
+      <p:nvGrpSpPr>
+        <p:cNvPr id="1" name=""/>
+        <p:cNvGrpSpPr/>
+        <p:nvPr/>
+      </p:nvGrpSpPr>
+      <p:grpSpPr>
+        <a:xfrm>
+          <a:off x="0" y="0"/>
+          <a:ext cx="0" cy="0"/>
+          <a:chOff x="0" y="0"/>
+          <a:chExt cx="0" cy="0"/>
+        </a:xfrm>
+      </p:grpSpPr>
+      <p:sp>
+        <p:nvSpPr>
+          <p:cNvPr id="3" name="Subtitle 2">
+            <a:extLst>
+              <a:ext uri="{FF2B5EF4-FFF2-40B4-BE49-F238E27FC236}">
+                <a16:creationId xmlns:a16="http://schemas.microsoft.com/office/drawing/2014/main" id="{B33589E9-AB4C-4061-9616-C71380534152}"/>
+              </a:ext>
+            </a:extLst>
+          </p:cNvPr>
+          <p:cNvSpPr>
+            <a:spLocks noGrp="1"/>
+          </p:cNvSpPr>
+          <p:nvPr>
+            <p:ph type="subTitle" idx="1"/>
+          </p:nvPr>
+        </p:nvSpPr>
+        <p:spPr>
+          <a:xfrm>
+            <a:off x="1524000" y="2350288"/>
+            <a:ext cx="9144000" cy="1422722"/>
+          </a:xfrm>
+        </p:spPr>
+        <p:txBody>
+          <a:bodyPr>
+            <a:normAutofit/>
+          </a:bodyPr>
+          <a:lstStyle/>
+          <a:p>
+            <a:pPr marL="342900" indent="-342900" algn="l">
+              <a:buFont typeface="Arial" panose="020B0604020202020204" pitchFamily="34" charset="0"/>
+              <a:buChar char="•"/>
+            </a:pPr>
+            <a:r>
+              <a:rPr lang="fr-SN" dirty="0"/>
+              <a:t>Gestion des risques</a:t>
+            </a:r>
+          </a:p>
+          <a:p>
+            <a:pPr marL="342900" indent="-342900" algn="l">
+              <a:buFont typeface="Arial" panose="020B0604020202020204" pitchFamily="34" charset="0"/>
+              <a:buChar char="•"/>
+            </a:pPr>
+            <a:r>
+              <a:rPr lang="fr-SN" dirty="0"/>
+              <a:t>Détection de fraudes</a:t>
+            </a:r>
+          </a:p>
+          <a:p>
+            <a:pPr marL="342900" indent="-342900" algn="l">
+              <a:buFont typeface="Arial" panose="020B0604020202020204" pitchFamily="34" charset="0"/>
+              <a:buChar char="•"/>
+            </a:pPr>
+            <a:r>
+              <a:rPr lang="fr-SN" dirty="0"/>
+              <a:t>La bourse et les marchés financiers</a:t>
+            </a:r>
+          </a:p>
+        </p:txBody>
+      </p:sp>
+    </p:spTree>
+    <p:extLst>
+      <p:ext uri="{BB962C8B-B14F-4D97-AF65-F5344CB8AC3E}">
+        <p14:creationId xmlns:p14="http://schemas.microsoft.com/office/powerpoint/2010/main" val="1883044986"/>
       </p:ext>
     </p:extLst>
   </p:cSld>
@@ -4805,7 +5335,7 @@
 </p:sld>
 </file>
 
-<file path=ppt/slides/slide3.xml><?xml version="1.0" encoding="utf-8"?>
+<file path=ppt/slides/slide20.xml><?xml version="1.0" encoding="utf-8"?>
 <p:sld xmlns:a="http://schemas.openxmlformats.org/drawingml/2006/main" xmlns:r="http://schemas.openxmlformats.org/officeDocument/2006/relationships" xmlns:p="http://schemas.openxmlformats.org/presentationml/2006/main">
   <p:cSld>
     <p:spTree>
@@ -4824,6 +5354,304 @@
       </p:grpSpPr>
       <p:sp>
         <p:nvSpPr>
+          <p:cNvPr id="3" name="Subtitle 2">
+            <a:extLst>
+              <a:ext uri="{FF2B5EF4-FFF2-40B4-BE49-F238E27FC236}">
+                <a16:creationId xmlns:a16="http://schemas.microsoft.com/office/drawing/2014/main" id="{B33589E9-AB4C-4061-9616-C71380534152}"/>
+              </a:ext>
+            </a:extLst>
+          </p:cNvPr>
+          <p:cNvSpPr>
+            <a:spLocks noGrp="1"/>
+          </p:cNvSpPr>
+          <p:nvPr>
+            <p:ph type="subTitle" idx="1"/>
+          </p:nvPr>
+        </p:nvSpPr>
+        <p:spPr>
+          <a:xfrm>
+            <a:off x="1524000" y="2350288"/>
+            <a:ext cx="9144000" cy="1422722"/>
+          </a:xfrm>
+        </p:spPr>
+        <p:txBody>
+          <a:bodyPr>
+            <a:normAutofit/>
+          </a:bodyPr>
+          <a:lstStyle/>
+          <a:p>
+            <a:r>
+              <a:rPr lang="fr-SN" dirty="0"/>
+              <a:t>L’IA dans l’analyse des états financiers</a:t>
+            </a:r>
+          </a:p>
+        </p:txBody>
+      </p:sp>
+    </p:spTree>
+    <p:extLst>
+      <p:ext uri="{BB962C8B-B14F-4D97-AF65-F5344CB8AC3E}">
+        <p14:creationId xmlns:p14="http://schemas.microsoft.com/office/powerpoint/2010/main" val="174778075"/>
+      </p:ext>
+    </p:extLst>
+  </p:cSld>
+  <p:clrMapOvr>
+    <a:masterClrMapping/>
+  </p:clrMapOvr>
+</p:sld>
+</file>
+
+<file path=ppt/slides/slide21.xml><?xml version="1.0" encoding="utf-8"?>
+<p:sld xmlns:a="http://schemas.openxmlformats.org/drawingml/2006/main" xmlns:r="http://schemas.openxmlformats.org/officeDocument/2006/relationships" xmlns:p="http://schemas.openxmlformats.org/presentationml/2006/main">
+  <p:cSld>
+    <p:spTree>
+      <p:nvGrpSpPr>
+        <p:cNvPr id="1" name=""/>
+        <p:cNvGrpSpPr/>
+        <p:nvPr/>
+      </p:nvGrpSpPr>
+      <p:grpSpPr>
+        <a:xfrm>
+          <a:off x="0" y="0"/>
+          <a:ext cx="0" cy="0"/>
+          <a:chOff x="0" y="0"/>
+          <a:chExt cx="0" cy="0"/>
+        </a:xfrm>
+      </p:grpSpPr>
+      <p:sp>
+        <p:nvSpPr>
+          <p:cNvPr id="3" name="Subtitle 2">
+            <a:extLst>
+              <a:ext uri="{FF2B5EF4-FFF2-40B4-BE49-F238E27FC236}">
+                <a16:creationId xmlns:a16="http://schemas.microsoft.com/office/drawing/2014/main" id="{B33589E9-AB4C-4061-9616-C71380534152}"/>
+              </a:ext>
+            </a:extLst>
+          </p:cNvPr>
+          <p:cNvSpPr>
+            <a:spLocks noGrp="1"/>
+          </p:cNvSpPr>
+          <p:nvPr>
+            <p:ph type="subTitle" idx="1"/>
+          </p:nvPr>
+        </p:nvSpPr>
+        <p:spPr>
+          <a:xfrm>
+            <a:off x="1524000" y="2350288"/>
+            <a:ext cx="9144000" cy="1422722"/>
+          </a:xfrm>
+        </p:spPr>
+        <p:txBody>
+          <a:bodyPr>
+            <a:normAutofit/>
+          </a:bodyPr>
+          <a:lstStyle/>
+          <a:p>
+            <a:pPr marL="342900" indent="-342900" algn="l">
+              <a:buFont typeface="Arial" panose="020B0604020202020204" pitchFamily="34" charset="0"/>
+              <a:buChar char="•"/>
+            </a:pPr>
+            <a:r>
+              <a:rPr lang="fr-SN" dirty="0"/>
+              <a:t>Les travaux de recherche de l’IA sur l’analyse financière</a:t>
+            </a:r>
+          </a:p>
+          <a:p>
+            <a:pPr marL="342900" indent="-342900" algn="l">
+              <a:buFont typeface="Arial" panose="020B0604020202020204" pitchFamily="34" charset="0"/>
+              <a:buChar char="•"/>
+            </a:pPr>
+            <a:r>
+              <a:rPr lang="fr-SN" dirty="0"/>
+              <a:t>Les limites des travaux actuels</a:t>
+            </a:r>
+          </a:p>
+        </p:txBody>
+      </p:sp>
+    </p:spTree>
+    <p:extLst>
+      <p:ext uri="{BB962C8B-B14F-4D97-AF65-F5344CB8AC3E}">
+        <p14:creationId xmlns:p14="http://schemas.microsoft.com/office/powerpoint/2010/main" val="3662510178"/>
+      </p:ext>
+    </p:extLst>
+  </p:cSld>
+  <p:clrMapOvr>
+    <a:masterClrMapping/>
+  </p:clrMapOvr>
+</p:sld>
+</file>
+
+<file path=ppt/slides/slide22.xml><?xml version="1.0" encoding="utf-8"?>
+<p:sld xmlns:a="http://schemas.openxmlformats.org/drawingml/2006/main" xmlns:r="http://schemas.openxmlformats.org/officeDocument/2006/relationships" xmlns:p="http://schemas.openxmlformats.org/presentationml/2006/main">
+  <p:cSld>
+    <p:spTree>
+      <p:nvGrpSpPr>
+        <p:cNvPr id="1" name=""/>
+        <p:cNvGrpSpPr/>
+        <p:nvPr/>
+      </p:nvGrpSpPr>
+      <p:grpSpPr>
+        <a:xfrm>
+          <a:off x="0" y="0"/>
+          <a:ext cx="0" cy="0"/>
+          <a:chOff x="0" y="0"/>
+          <a:chExt cx="0" cy="0"/>
+        </a:xfrm>
+      </p:grpSpPr>
+      <p:sp>
+        <p:nvSpPr>
+          <p:cNvPr id="3" name="Subtitle 2">
+            <a:extLst>
+              <a:ext uri="{FF2B5EF4-FFF2-40B4-BE49-F238E27FC236}">
+                <a16:creationId xmlns:a16="http://schemas.microsoft.com/office/drawing/2014/main" id="{B33589E9-AB4C-4061-9616-C71380534152}"/>
+              </a:ext>
+            </a:extLst>
+          </p:cNvPr>
+          <p:cNvSpPr>
+            <a:spLocks noGrp="1"/>
+          </p:cNvSpPr>
+          <p:nvPr>
+            <p:ph type="subTitle" idx="1"/>
+          </p:nvPr>
+        </p:nvSpPr>
+        <p:spPr>
+          <a:xfrm>
+            <a:off x="1524000" y="2350288"/>
+            <a:ext cx="9144000" cy="1422722"/>
+          </a:xfrm>
+        </p:spPr>
+        <p:txBody>
+          <a:bodyPr>
+            <a:normAutofit/>
+          </a:bodyPr>
+          <a:lstStyle/>
+          <a:p>
+            <a:r>
+              <a:rPr lang="fr-SN" dirty="0"/>
+              <a:t>La nouveauté que l’on va apportée</a:t>
+            </a:r>
+          </a:p>
+        </p:txBody>
+      </p:sp>
+    </p:spTree>
+    <p:extLst>
+      <p:ext uri="{BB962C8B-B14F-4D97-AF65-F5344CB8AC3E}">
+        <p14:creationId xmlns:p14="http://schemas.microsoft.com/office/powerpoint/2010/main" val="2457811499"/>
+      </p:ext>
+    </p:extLst>
+  </p:cSld>
+  <p:clrMapOvr>
+    <a:masterClrMapping/>
+  </p:clrMapOvr>
+</p:sld>
+</file>
+
+<file path=ppt/slides/slide23.xml><?xml version="1.0" encoding="utf-8"?>
+<p:sld xmlns:a="http://schemas.openxmlformats.org/drawingml/2006/main" xmlns:r="http://schemas.openxmlformats.org/officeDocument/2006/relationships" xmlns:p="http://schemas.openxmlformats.org/presentationml/2006/main">
+  <p:cSld>
+    <p:spTree>
+      <p:nvGrpSpPr>
+        <p:cNvPr id="1" name=""/>
+        <p:cNvGrpSpPr/>
+        <p:nvPr/>
+      </p:nvGrpSpPr>
+      <p:grpSpPr>
+        <a:xfrm>
+          <a:off x="0" y="0"/>
+          <a:ext cx="0" cy="0"/>
+          <a:chOff x="0" y="0"/>
+          <a:chExt cx="0" cy="0"/>
+        </a:xfrm>
+      </p:grpSpPr>
+      <p:sp>
+        <p:nvSpPr>
+          <p:cNvPr id="3" name="Subtitle 2">
+            <a:extLst>
+              <a:ext uri="{FF2B5EF4-FFF2-40B4-BE49-F238E27FC236}">
+                <a16:creationId xmlns:a16="http://schemas.microsoft.com/office/drawing/2014/main" id="{B33589E9-AB4C-4061-9616-C71380534152}"/>
+              </a:ext>
+            </a:extLst>
+          </p:cNvPr>
+          <p:cNvSpPr>
+            <a:spLocks noGrp="1"/>
+          </p:cNvSpPr>
+          <p:nvPr>
+            <p:ph type="subTitle" idx="1"/>
+          </p:nvPr>
+        </p:nvSpPr>
+        <p:spPr>
+          <a:xfrm>
+            <a:off x="1524000" y="2350288"/>
+            <a:ext cx="9144000" cy="1699198"/>
+          </a:xfrm>
+        </p:spPr>
+        <p:txBody>
+          <a:bodyPr>
+            <a:normAutofit/>
+          </a:bodyPr>
+          <a:lstStyle/>
+          <a:p>
+            <a:pPr marL="342900" indent="-342900" algn="l">
+              <a:buFont typeface="Arial" panose="020B0604020202020204" pitchFamily="34" charset="0"/>
+              <a:buChar char="•"/>
+            </a:pPr>
+            <a:r>
+              <a:rPr lang="fr-SN" dirty="0"/>
+              <a:t>La focalisation des modèles sur la démarche d’analyse financière</a:t>
+            </a:r>
+          </a:p>
+          <a:p>
+            <a:pPr marL="342900" indent="-342900" algn="l">
+              <a:buFont typeface="Arial" panose="020B0604020202020204" pitchFamily="34" charset="0"/>
+              <a:buChar char="•"/>
+            </a:pPr>
+            <a:r>
+              <a:rPr lang="fr-SN" dirty="0"/>
+              <a:t>Un Chatbot spécialisé seulement sur les états financiers de l’entreprise</a:t>
+            </a:r>
+          </a:p>
+          <a:p>
+            <a:pPr marL="342900" indent="-342900" algn="l">
+              <a:buFont typeface="Arial" panose="020B0604020202020204" pitchFamily="34" charset="0"/>
+              <a:buChar char="•"/>
+            </a:pPr>
+            <a:r>
+              <a:rPr lang="fr-SN" dirty="0"/>
+              <a:t>Travailler sur des données purement africaines</a:t>
+            </a:r>
+          </a:p>
+        </p:txBody>
+      </p:sp>
+    </p:spTree>
+    <p:extLst>
+      <p:ext uri="{BB962C8B-B14F-4D97-AF65-F5344CB8AC3E}">
+        <p14:creationId xmlns:p14="http://schemas.microsoft.com/office/powerpoint/2010/main" val="2704375206"/>
+      </p:ext>
+    </p:extLst>
+  </p:cSld>
+  <p:clrMapOvr>
+    <a:masterClrMapping/>
+  </p:clrMapOvr>
+</p:sld>
+</file>
+
+<file path=ppt/slides/slide24.xml><?xml version="1.0" encoding="utf-8"?>
+<p:sld xmlns:a="http://schemas.openxmlformats.org/drawingml/2006/main" xmlns:r="http://schemas.openxmlformats.org/officeDocument/2006/relationships" xmlns:p="http://schemas.openxmlformats.org/presentationml/2006/main">
+  <p:cSld>
+    <p:spTree>
+      <p:nvGrpSpPr>
+        <p:cNvPr id="1" name=""/>
+        <p:cNvGrpSpPr/>
+        <p:nvPr/>
+      </p:nvGrpSpPr>
+      <p:grpSpPr>
+        <a:xfrm>
+          <a:off x="0" y="0"/>
+          <a:ext cx="0" cy="0"/>
+          <a:chOff x="0" y="0"/>
+          <a:chExt cx="0" cy="0"/>
+        </a:xfrm>
+      </p:grpSpPr>
+      <p:sp>
+        <p:nvSpPr>
           <p:cNvPr id="2" name="Title 1">
             <a:extLst>
               <a:ext uri="{FF2B5EF4-FFF2-40B4-BE49-F238E27FC236}">
@@ -4838,49 +5666,54 @@
             <p:ph type="ctrTitle"/>
           </p:nvPr>
         </p:nvSpPr>
+        <p:spPr>
+          <a:xfrm>
+            <a:off x="2731008" y="868362"/>
+            <a:ext cx="9144000" cy="2387600"/>
+          </a:xfrm>
+        </p:spPr>
+        <p:txBody>
+          <a:bodyPr/>
+          <a:lstStyle/>
+          <a:p>
+            <a:r>
+              <a:rPr lang="fr-FR" dirty="0"/>
+              <a:t>Les objectifs du mémoire</a:t>
+            </a:r>
+          </a:p>
+        </p:txBody>
+      </p:sp>
+      <p:sp>
+        <p:nvSpPr>
+          <p:cNvPr id="3" name="Subtitle 2">
+            <a:extLst>
+              <a:ext uri="{FF2B5EF4-FFF2-40B4-BE49-F238E27FC236}">
+                <a16:creationId xmlns:a16="http://schemas.microsoft.com/office/drawing/2014/main" id="{B33589E9-AB4C-4061-9616-C71380534152}"/>
+              </a:ext>
+            </a:extLst>
+          </p:cNvPr>
+          <p:cNvSpPr>
+            <a:spLocks noGrp="1"/>
+          </p:cNvSpPr>
+          <p:nvPr>
+            <p:ph type="subTitle" idx="1"/>
+          </p:nvPr>
+        </p:nvSpPr>
         <p:spPr/>
         <p:txBody>
           <a:bodyPr/>
           <a:lstStyle/>
           <a:p>
-            <a:r>
-              <a:rPr lang="en-US" dirty="0"/>
-              <a:t>Introduction</a:t>
-            </a:r>
-          </a:p>
-        </p:txBody>
-      </p:sp>
-      <p:sp>
-        <p:nvSpPr>
-          <p:cNvPr id="3" name="Subtitle 2">
-            <a:extLst>
-              <a:ext uri="{FF2B5EF4-FFF2-40B4-BE49-F238E27FC236}">
-                <a16:creationId xmlns:a16="http://schemas.microsoft.com/office/drawing/2014/main" id="{B33589E9-AB4C-4061-9616-C71380534152}"/>
-              </a:ext>
-            </a:extLst>
-          </p:cNvPr>
-          <p:cNvSpPr>
-            <a:spLocks noGrp="1"/>
-          </p:cNvSpPr>
-          <p:nvPr>
-            <p:ph type="subTitle" idx="1"/>
-          </p:nvPr>
-        </p:nvSpPr>
-        <p:spPr/>
-        <p:txBody>
-          <a:bodyPr/>
-          <a:lstStyle/>
-          <a:p>
-            <a:endParaRPr lang="fr-SN" dirty="0"/>
-          </a:p>
-        </p:txBody>
-      </p:sp>
-      <p:sp>
-        <p:nvSpPr>
-          <p:cNvPr id="5" name="Rectangle 4">
-            <a:extLst>
-              <a:ext uri="{FF2B5EF4-FFF2-40B4-BE49-F238E27FC236}">
-                <a16:creationId xmlns:a16="http://schemas.microsoft.com/office/drawing/2014/main" id="{72B4EB56-7093-4BD7-B588-CF9F5B904ECB}"/>
+            <a:endParaRPr lang="en-US" dirty="0"/>
+          </a:p>
+        </p:txBody>
+      </p:sp>
+      <p:sp>
+        <p:nvSpPr>
+          <p:cNvPr id="4" name="Rectangle 3">
+            <a:extLst>
+              <a:ext uri="{FF2B5EF4-FFF2-40B4-BE49-F238E27FC236}">
+                <a16:creationId xmlns:a16="http://schemas.microsoft.com/office/drawing/2014/main" id="{D4DA5E2F-787E-48B9-AEEE-B331F68B93ED}"/>
               </a:ext>
             </a:extLst>
           </p:cNvPr>
@@ -4924,7 +5757,1402 @@
     </p:spTree>
     <p:extLst>
       <p:ext uri="{BB962C8B-B14F-4D97-AF65-F5344CB8AC3E}">
+        <p14:creationId xmlns:p14="http://schemas.microsoft.com/office/powerpoint/2010/main" val="112055440"/>
+      </p:ext>
+    </p:extLst>
+  </p:cSld>
+  <p:clrMapOvr>
+    <a:masterClrMapping/>
+  </p:clrMapOvr>
+</p:sld>
+</file>
+
+<file path=ppt/slides/slide25.xml><?xml version="1.0" encoding="utf-8"?>
+<p:sld xmlns:a="http://schemas.openxmlformats.org/drawingml/2006/main" xmlns:r="http://schemas.openxmlformats.org/officeDocument/2006/relationships" xmlns:p="http://schemas.openxmlformats.org/presentationml/2006/main">
+  <p:cSld>
+    <p:spTree>
+      <p:nvGrpSpPr>
+        <p:cNvPr id="1" name=""/>
+        <p:cNvGrpSpPr/>
+        <p:nvPr/>
+      </p:nvGrpSpPr>
+      <p:grpSpPr>
+        <a:xfrm>
+          <a:off x="0" y="0"/>
+          <a:ext cx="0" cy="0"/>
+          <a:chOff x="0" y="0"/>
+          <a:chExt cx="0" cy="0"/>
+        </a:xfrm>
+      </p:grpSpPr>
+      <p:sp>
+        <p:nvSpPr>
+          <p:cNvPr id="3" name="Subtitle 2">
+            <a:extLst>
+              <a:ext uri="{FF2B5EF4-FFF2-40B4-BE49-F238E27FC236}">
+                <a16:creationId xmlns:a16="http://schemas.microsoft.com/office/drawing/2014/main" id="{B33589E9-AB4C-4061-9616-C71380534152}"/>
+              </a:ext>
+            </a:extLst>
+          </p:cNvPr>
+          <p:cNvSpPr>
+            <a:spLocks noGrp="1"/>
+          </p:cNvSpPr>
+          <p:nvPr>
+            <p:ph type="subTitle" idx="1"/>
+          </p:nvPr>
+        </p:nvSpPr>
+        <p:spPr>
+          <a:xfrm>
+            <a:off x="1524000" y="2607742"/>
+            <a:ext cx="9144000" cy="1529252"/>
+          </a:xfrm>
+        </p:spPr>
+        <p:txBody>
+          <a:bodyPr>
+            <a:normAutofit/>
+          </a:bodyPr>
+          <a:lstStyle/>
+          <a:p>
+            <a:r>
+              <a:rPr lang="fr-SN" dirty="0"/>
+              <a:t>Développer un modelé d’analyse financière prédictive</a:t>
+            </a:r>
+          </a:p>
+          <a:p>
+            <a:r>
+              <a:rPr lang="fr-SN" dirty="0"/>
+              <a:t>Développer un Chatbot pour interroger les états financiers</a:t>
+            </a:r>
+          </a:p>
+          <a:p>
+            <a:r>
+              <a:rPr lang="fr-SN" dirty="0"/>
+              <a:t>Une interface graphique conviviale pour interagir avec les modelés</a:t>
+            </a:r>
+          </a:p>
+        </p:txBody>
+      </p:sp>
+    </p:spTree>
+    <p:extLst>
+      <p:ext uri="{BB962C8B-B14F-4D97-AF65-F5344CB8AC3E}">
+        <p14:creationId xmlns:p14="http://schemas.microsoft.com/office/powerpoint/2010/main" val="1549543962"/>
+      </p:ext>
+    </p:extLst>
+  </p:cSld>
+  <p:clrMapOvr>
+    <a:masterClrMapping/>
+  </p:clrMapOvr>
+</p:sld>
+</file>
+
+<file path=ppt/slides/slide26.xml><?xml version="1.0" encoding="utf-8"?>
+<p:sld xmlns:a="http://schemas.openxmlformats.org/drawingml/2006/main" xmlns:r="http://schemas.openxmlformats.org/officeDocument/2006/relationships" xmlns:p="http://schemas.openxmlformats.org/presentationml/2006/main">
+  <p:cSld>
+    <p:spTree>
+      <p:nvGrpSpPr>
+        <p:cNvPr id="1" name=""/>
+        <p:cNvGrpSpPr/>
+        <p:nvPr/>
+      </p:nvGrpSpPr>
+      <p:grpSpPr>
+        <a:xfrm>
+          <a:off x="0" y="0"/>
+          <a:ext cx="0" cy="0"/>
+          <a:chOff x="0" y="0"/>
+          <a:chExt cx="0" cy="0"/>
+        </a:xfrm>
+      </p:grpSpPr>
+      <p:sp>
+        <p:nvSpPr>
+          <p:cNvPr id="3" name="Subtitle 2">
+            <a:extLst>
+              <a:ext uri="{FF2B5EF4-FFF2-40B4-BE49-F238E27FC236}">
+                <a16:creationId xmlns:a16="http://schemas.microsoft.com/office/drawing/2014/main" id="{B33589E9-AB4C-4061-9616-C71380534152}"/>
+              </a:ext>
+            </a:extLst>
+          </p:cNvPr>
+          <p:cNvSpPr>
+            <a:spLocks noGrp="1"/>
+          </p:cNvSpPr>
+          <p:nvPr>
+            <p:ph type="subTitle" idx="1"/>
+          </p:nvPr>
+        </p:nvSpPr>
+        <p:spPr>
+          <a:xfrm>
+            <a:off x="1524000" y="2607742"/>
+            <a:ext cx="9144000" cy="1529252"/>
+          </a:xfrm>
+        </p:spPr>
+        <p:txBody>
+          <a:bodyPr>
+            <a:normAutofit/>
+          </a:bodyPr>
+          <a:lstStyle/>
+          <a:p>
+            <a:r>
+              <a:rPr lang="fr-SN" dirty="0"/>
+              <a:t>Développer un modelé d’analyse financière prédictive</a:t>
+            </a:r>
+          </a:p>
+        </p:txBody>
+      </p:sp>
+    </p:spTree>
+    <p:extLst>
+      <p:ext uri="{BB962C8B-B14F-4D97-AF65-F5344CB8AC3E}">
+        <p14:creationId xmlns:p14="http://schemas.microsoft.com/office/powerpoint/2010/main" val="1966590933"/>
+      </p:ext>
+    </p:extLst>
+  </p:cSld>
+  <p:clrMapOvr>
+    <a:masterClrMapping/>
+  </p:clrMapOvr>
+</p:sld>
+</file>
+
+<file path=ppt/slides/slide27.xml><?xml version="1.0" encoding="utf-8"?>
+<p:sld xmlns:a="http://schemas.openxmlformats.org/drawingml/2006/main" xmlns:r="http://schemas.openxmlformats.org/officeDocument/2006/relationships" xmlns:p="http://schemas.openxmlformats.org/presentationml/2006/main">
+  <p:cSld>
+    <p:spTree>
+      <p:nvGrpSpPr>
+        <p:cNvPr id="1" name=""/>
+        <p:cNvGrpSpPr/>
+        <p:nvPr/>
+      </p:nvGrpSpPr>
+      <p:grpSpPr>
+        <a:xfrm>
+          <a:off x="0" y="0"/>
+          <a:ext cx="0" cy="0"/>
+          <a:chOff x="0" y="0"/>
+          <a:chExt cx="0" cy="0"/>
+        </a:xfrm>
+      </p:grpSpPr>
+      <p:sp>
+        <p:nvSpPr>
+          <p:cNvPr id="3" name="Subtitle 2">
+            <a:extLst>
+              <a:ext uri="{FF2B5EF4-FFF2-40B4-BE49-F238E27FC236}">
+                <a16:creationId xmlns:a16="http://schemas.microsoft.com/office/drawing/2014/main" id="{B33589E9-AB4C-4061-9616-C71380534152}"/>
+              </a:ext>
+            </a:extLst>
+          </p:cNvPr>
+          <p:cNvSpPr>
+            <a:spLocks noGrp="1"/>
+          </p:cNvSpPr>
+          <p:nvPr>
+            <p:ph type="subTitle" idx="1"/>
+          </p:nvPr>
+        </p:nvSpPr>
+        <p:spPr>
+          <a:xfrm>
+            <a:off x="1524000" y="2607742"/>
+            <a:ext cx="9144000" cy="1529252"/>
+          </a:xfrm>
+        </p:spPr>
+        <p:txBody>
+          <a:bodyPr>
+            <a:normAutofit/>
+          </a:bodyPr>
+          <a:lstStyle/>
+          <a:p>
+            <a:pPr marL="342900" indent="-342900" algn="l">
+              <a:buFont typeface="Arial" panose="020B0604020202020204" pitchFamily="34" charset="0"/>
+              <a:buChar char="•"/>
+            </a:pPr>
+            <a:r>
+              <a:rPr lang="fr-SN" dirty="0"/>
+              <a:t>Trouver des données</a:t>
+            </a:r>
+          </a:p>
+          <a:p>
+            <a:pPr marL="342900" indent="-342900" algn="l">
+              <a:buFont typeface="Arial" panose="020B0604020202020204" pitchFamily="34" charset="0"/>
+              <a:buChar char="•"/>
+            </a:pPr>
+            <a:r>
+              <a:rPr lang="fr-SN" dirty="0"/>
+              <a:t>Trouver le meilleurs modèles de régression pour nos données</a:t>
+            </a:r>
+          </a:p>
+          <a:p>
+            <a:pPr marL="342900" indent="-342900" algn="l">
+              <a:buFont typeface="Arial" panose="020B0604020202020204" pitchFamily="34" charset="0"/>
+              <a:buChar char="•"/>
+            </a:pPr>
+            <a:r>
+              <a:rPr lang="fr-SN" dirty="0"/>
+              <a:t>Exporter le modèle les interactions</a:t>
+            </a:r>
+          </a:p>
+        </p:txBody>
+      </p:sp>
+    </p:spTree>
+    <p:extLst>
+      <p:ext uri="{BB962C8B-B14F-4D97-AF65-F5344CB8AC3E}">
+        <p14:creationId xmlns:p14="http://schemas.microsoft.com/office/powerpoint/2010/main" val="3782855581"/>
+      </p:ext>
+    </p:extLst>
+  </p:cSld>
+  <p:clrMapOvr>
+    <a:masterClrMapping/>
+  </p:clrMapOvr>
+</p:sld>
+</file>
+
+<file path=ppt/slides/slide28.xml><?xml version="1.0" encoding="utf-8"?>
+<p:sld xmlns:a="http://schemas.openxmlformats.org/drawingml/2006/main" xmlns:r="http://schemas.openxmlformats.org/officeDocument/2006/relationships" xmlns:p="http://schemas.openxmlformats.org/presentationml/2006/main">
+  <p:cSld>
+    <p:spTree>
+      <p:nvGrpSpPr>
+        <p:cNvPr id="1" name=""/>
+        <p:cNvGrpSpPr/>
+        <p:nvPr/>
+      </p:nvGrpSpPr>
+      <p:grpSpPr>
+        <a:xfrm>
+          <a:off x="0" y="0"/>
+          <a:ext cx="0" cy="0"/>
+          <a:chOff x="0" y="0"/>
+          <a:chExt cx="0" cy="0"/>
+        </a:xfrm>
+      </p:grpSpPr>
+      <p:sp>
+        <p:nvSpPr>
+          <p:cNvPr id="3" name="Subtitle 2">
+            <a:extLst>
+              <a:ext uri="{FF2B5EF4-FFF2-40B4-BE49-F238E27FC236}">
+                <a16:creationId xmlns:a16="http://schemas.microsoft.com/office/drawing/2014/main" id="{B33589E9-AB4C-4061-9616-C71380534152}"/>
+              </a:ext>
+            </a:extLst>
+          </p:cNvPr>
+          <p:cNvSpPr>
+            <a:spLocks noGrp="1"/>
+          </p:cNvSpPr>
+          <p:nvPr>
+            <p:ph type="subTitle" idx="1"/>
+          </p:nvPr>
+        </p:nvSpPr>
+        <p:spPr>
+          <a:xfrm>
+            <a:off x="1524000" y="2607742"/>
+            <a:ext cx="9144000" cy="1529252"/>
+          </a:xfrm>
+        </p:spPr>
+        <p:txBody>
+          <a:bodyPr>
+            <a:normAutofit/>
+          </a:bodyPr>
+          <a:lstStyle/>
+          <a:p>
+            <a:r>
+              <a:rPr lang="fr-SN" dirty="0"/>
+              <a:t>Développer un Chatbot pour interroger les états financiers</a:t>
+            </a:r>
+          </a:p>
+        </p:txBody>
+      </p:sp>
+    </p:spTree>
+    <p:extLst>
+      <p:ext uri="{BB962C8B-B14F-4D97-AF65-F5344CB8AC3E}">
+        <p14:creationId xmlns:p14="http://schemas.microsoft.com/office/powerpoint/2010/main" val="4248559606"/>
+      </p:ext>
+    </p:extLst>
+  </p:cSld>
+  <p:clrMapOvr>
+    <a:masterClrMapping/>
+  </p:clrMapOvr>
+</p:sld>
+</file>
+
+<file path=ppt/slides/slide29.xml><?xml version="1.0" encoding="utf-8"?>
+<p:sld xmlns:a="http://schemas.openxmlformats.org/drawingml/2006/main" xmlns:r="http://schemas.openxmlformats.org/officeDocument/2006/relationships" xmlns:p="http://schemas.openxmlformats.org/presentationml/2006/main">
+  <p:cSld>
+    <p:spTree>
+      <p:nvGrpSpPr>
+        <p:cNvPr id="1" name=""/>
+        <p:cNvGrpSpPr/>
+        <p:nvPr/>
+      </p:nvGrpSpPr>
+      <p:grpSpPr>
+        <a:xfrm>
+          <a:off x="0" y="0"/>
+          <a:ext cx="0" cy="0"/>
+          <a:chOff x="0" y="0"/>
+          <a:chExt cx="0" cy="0"/>
+        </a:xfrm>
+      </p:grpSpPr>
+      <p:sp>
+        <p:nvSpPr>
+          <p:cNvPr id="3" name="Subtitle 2">
+            <a:extLst>
+              <a:ext uri="{FF2B5EF4-FFF2-40B4-BE49-F238E27FC236}">
+                <a16:creationId xmlns:a16="http://schemas.microsoft.com/office/drawing/2014/main" id="{B33589E9-AB4C-4061-9616-C71380534152}"/>
+              </a:ext>
+            </a:extLst>
+          </p:cNvPr>
+          <p:cNvSpPr>
+            <a:spLocks noGrp="1"/>
+          </p:cNvSpPr>
+          <p:nvPr>
+            <p:ph type="subTitle" idx="1"/>
+          </p:nvPr>
+        </p:nvSpPr>
+        <p:spPr>
+          <a:xfrm>
+            <a:off x="1524000" y="2607741"/>
+            <a:ext cx="9144000" cy="2701105"/>
+          </a:xfrm>
+        </p:spPr>
+        <p:txBody>
+          <a:bodyPr>
+            <a:normAutofit/>
+          </a:bodyPr>
+          <a:lstStyle/>
+          <a:p>
+            <a:pPr marL="342900" indent="-342900" algn="l">
+              <a:buFont typeface="Arial" panose="020B0604020202020204" pitchFamily="34" charset="0"/>
+              <a:buChar char="•"/>
+            </a:pPr>
+            <a:r>
+              <a:rPr lang="fr-SN" dirty="0"/>
+              <a:t>Collecter les données texte</a:t>
+            </a:r>
+          </a:p>
+          <a:p>
+            <a:pPr marL="342900" indent="-342900" algn="l">
+              <a:buFont typeface="Arial" panose="020B0604020202020204" pitchFamily="34" charset="0"/>
+              <a:buChar char="•"/>
+            </a:pPr>
+            <a:r>
+              <a:rPr lang="fr-SN" dirty="0"/>
+              <a:t>Trouver la meilleur technique de modélisation de texte</a:t>
+            </a:r>
+          </a:p>
+          <a:p>
+            <a:pPr marL="342900" indent="-342900" algn="l">
+              <a:buFont typeface="Arial" panose="020B0604020202020204" pitchFamily="34" charset="0"/>
+              <a:buChar char="•"/>
+            </a:pPr>
+            <a:r>
+              <a:rPr lang="fr-SN" dirty="0"/>
+              <a:t>Trouver le meilleur modèles de NLP pour nos données</a:t>
+            </a:r>
+          </a:p>
+          <a:p>
+            <a:pPr marL="342900" indent="-342900" algn="l">
+              <a:buFont typeface="Arial" panose="020B0604020202020204" pitchFamily="34" charset="0"/>
+              <a:buChar char="•"/>
+            </a:pPr>
+            <a:r>
+              <a:rPr lang="fr-SN" dirty="0"/>
+              <a:t>Faire les étapes spécifiques au développement de Chatbot (Intent classicisions, </a:t>
+            </a:r>
+            <a:r>
+              <a:rPr lang="fr-SN" dirty="0" err="1"/>
+              <a:t>Entity</a:t>
+            </a:r>
+            <a:r>
+              <a:rPr lang="fr-SN" dirty="0"/>
+              <a:t> détection…)</a:t>
+            </a:r>
+          </a:p>
+          <a:p>
+            <a:pPr marL="342900" indent="-342900" algn="l">
+              <a:buFont typeface="Arial" panose="020B0604020202020204" pitchFamily="34" charset="0"/>
+              <a:buChar char="•"/>
+            </a:pPr>
+            <a:r>
+              <a:rPr lang="fr-SN" dirty="0"/>
+              <a:t>Développer une UI pour converser avec le Chatbot</a:t>
+            </a:r>
+          </a:p>
+        </p:txBody>
+      </p:sp>
+    </p:spTree>
+    <p:extLst>
+      <p:ext uri="{BB962C8B-B14F-4D97-AF65-F5344CB8AC3E}">
+        <p14:creationId xmlns:p14="http://schemas.microsoft.com/office/powerpoint/2010/main" val="2889893301"/>
+      </p:ext>
+    </p:extLst>
+  </p:cSld>
+  <p:clrMapOvr>
+    <a:masterClrMapping/>
+  </p:clrMapOvr>
+</p:sld>
+</file>
+
+<file path=ppt/slides/slide3.xml><?xml version="1.0" encoding="utf-8"?>
+<p:sld xmlns:a="http://schemas.openxmlformats.org/drawingml/2006/main" xmlns:r="http://schemas.openxmlformats.org/officeDocument/2006/relationships" xmlns:p="http://schemas.openxmlformats.org/presentationml/2006/main">
+  <p:cSld>
+    <p:spTree>
+      <p:nvGrpSpPr>
+        <p:cNvPr id="1" name=""/>
+        <p:cNvGrpSpPr/>
+        <p:nvPr/>
+      </p:nvGrpSpPr>
+      <p:grpSpPr>
+        <a:xfrm>
+          <a:off x="0" y="0"/>
+          <a:ext cx="0" cy="0"/>
+          <a:chOff x="0" y="0"/>
+          <a:chExt cx="0" cy="0"/>
+        </a:xfrm>
+      </p:grpSpPr>
+      <p:sp>
+        <p:nvSpPr>
+          <p:cNvPr id="2" name="Title 1">
+            <a:extLst>
+              <a:ext uri="{FF2B5EF4-FFF2-40B4-BE49-F238E27FC236}">
+                <a16:creationId xmlns:a16="http://schemas.microsoft.com/office/drawing/2014/main" id="{F15B4E8F-D5FA-4D6C-99D7-1DC7F6876362}"/>
+              </a:ext>
+            </a:extLst>
+          </p:cNvPr>
+          <p:cNvSpPr>
+            <a:spLocks noGrp="1"/>
+          </p:cNvSpPr>
+          <p:nvPr>
+            <p:ph type="ctrTitle"/>
+          </p:nvPr>
+        </p:nvSpPr>
+        <p:spPr/>
+        <p:txBody>
+          <a:bodyPr/>
+          <a:lstStyle/>
+          <a:p>
+            <a:r>
+              <a:rPr lang="en-US" dirty="0"/>
+              <a:t>Introduction</a:t>
+            </a:r>
+          </a:p>
+        </p:txBody>
+      </p:sp>
+      <p:sp>
+        <p:nvSpPr>
+          <p:cNvPr id="3" name="Subtitle 2">
+            <a:extLst>
+              <a:ext uri="{FF2B5EF4-FFF2-40B4-BE49-F238E27FC236}">
+                <a16:creationId xmlns:a16="http://schemas.microsoft.com/office/drawing/2014/main" id="{B33589E9-AB4C-4061-9616-C71380534152}"/>
+              </a:ext>
+            </a:extLst>
+          </p:cNvPr>
+          <p:cNvSpPr>
+            <a:spLocks noGrp="1"/>
+          </p:cNvSpPr>
+          <p:nvPr>
+            <p:ph type="subTitle" idx="1"/>
+          </p:nvPr>
+        </p:nvSpPr>
+        <p:spPr/>
+        <p:txBody>
+          <a:bodyPr/>
+          <a:lstStyle/>
+          <a:p>
+            <a:endParaRPr lang="fr-SN" dirty="0"/>
+          </a:p>
+        </p:txBody>
+      </p:sp>
+      <p:sp>
+        <p:nvSpPr>
+          <p:cNvPr id="5" name="Rectangle 4">
+            <a:extLst>
+              <a:ext uri="{FF2B5EF4-FFF2-40B4-BE49-F238E27FC236}">
+                <a16:creationId xmlns:a16="http://schemas.microsoft.com/office/drawing/2014/main" id="{72B4EB56-7093-4BD7-B588-CF9F5B904ECB}"/>
+              </a:ext>
+            </a:extLst>
+          </p:cNvPr>
+          <p:cNvSpPr/>
+          <p:nvPr/>
+        </p:nvSpPr>
+        <p:spPr>
+          <a:xfrm rot="20109292">
+            <a:off x="-2884511" y="-254785"/>
+            <a:ext cx="6143347" cy="9928009"/>
+          </a:xfrm>
+          <a:prstGeom prst="rect">
+            <a:avLst/>
+          </a:prstGeom>
+        </p:spPr>
+        <p:style>
+          <a:lnRef idx="2">
+            <a:schemeClr val="dk1">
+              <a:shade val="50000"/>
+            </a:schemeClr>
+          </a:lnRef>
+          <a:fillRef idx="1">
+            <a:schemeClr val="dk1"/>
+          </a:fillRef>
+          <a:effectRef idx="0">
+            <a:schemeClr val="dk1"/>
+          </a:effectRef>
+          <a:fontRef idx="minor">
+            <a:schemeClr val="lt1"/>
+          </a:fontRef>
+        </p:style>
+        <p:txBody>
+          <a:bodyPr rtlCol="0" anchor="ctr"/>
+          <a:lstStyle/>
+          <a:p>
+            <a:pPr algn="ctr"/>
+            <a:endParaRPr lang="en-US"/>
+          </a:p>
+        </p:txBody>
+      </p:sp>
+    </p:spTree>
+    <p:extLst>
+      <p:ext uri="{BB962C8B-B14F-4D97-AF65-F5344CB8AC3E}">
         <p14:creationId xmlns:p14="http://schemas.microsoft.com/office/powerpoint/2010/main" val="3615895745"/>
+      </p:ext>
+    </p:extLst>
+  </p:cSld>
+  <p:clrMapOvr>
+    <a:masterClrMapping/>
+  </p:clrMapOvr>
+</p:sld>
+</file>
+
+<file path=ppt/slides/slide30.xml><?xml version="1.0" encoding="utf-8"?>
+<p:sld xmlns:a="http://schemas.openxmlformats.org/drawingml/2006/main" xmlns:r="http://schemas.openxmlformats.org/officeDocument/2006/relationships" xmlns:p="http://schemas.openxmlformats.org/presentationml/2006/main">
+  <p:cSld>
+    <p:spTree>
+      <p:nvGrpSpPr>
+        <p:cNvPr id="1" name=""/>
+        <p:cNvGrpSpPr/>
+        <p:nvPr/>
+      </p:nvGrpSpPr>
+      <p:grpSpPr>
+        <a:xfrm>
+          <a:off x="0" y="0"/>
+          <a:ext cx="0" cy="0"/>
+          <a:chOff x="0" y="0"/>
+          <a:chExt cx="0" cy="0"/>
+        </a:xfrm>
+      </p:grpSpPr>
+      <p:sp>
+        <p:nvSpPr>
+          <p:cNvPr id="3" name="Subtitle 2">
+            <a:extLst>
+              <a:ext uri="{FF2B5EF4-FFF2-40B4-BE49-F238E27FC236}">
+                <a16:creationId xmlns:a16="http://schemas.microsoft.com/office/drawing/2014/main" id="{B33589E9-AB4C-4061-9616-C71380534152}"/>
+              </a:ext>
+            </a:extLst>
+          </p:cNvPr>
+          <p:cNvSpPr>
+            <a:spLocks noGrp="1"/>
+          </p:cNvSpPr>
+          <p:nvPr>
+            <p:ph type="subTitle" idx="1"/>
+          </p:nvPr>
+        </p:nvSpPr>
+        <p:spPr>
+          <a:xfrm>
+            <a:off x="1524000" y="2607742"/>
+            <a:ext cx="9144000" cy="1529252"/>
+          </a:xfrm>
+        </p:spPr>
+        <p:txBody>
+          <a:bodyPr>
+            <a:normAutofit/>
+          </a:bodyPr>
+          <a:lstStyle/>
+          <a:p>
+            <a:r>
+              <a:rPr lang="fr-SN" dirty="0"/>
+              <a:t>Une interface graphique conviviale pour interagir avec les modelés</a:t>
+            </a:r>
+          </a:p>
+        </p:txBody>
+      </p:sp>
+    </p:spTree>
+    <p:extLst>
+      <p:ext uri="{BB962C8B-B14F-4D97-AF65-F5344CB8AC3E}">
+        <p14:creationId xmlns:p14="http://schemas.microsoft.com/office/powerpoint/2010/main" val="1722958927"/>
+      </p:ext>
+    </p:extLst>
+  </p:cSld>
+  <p:clrMapOvr>
+    <a:masterClrMapping/>
+  </p:clrMapOvr>
+</p:sld>
+</file>
+
+<file path=ppt/slides/slide31.xml><?xml version="1.0" encoding="utf-8"?>
+<p:sld xmlns:a="http://schemas.openxmlformats.org/drawingml/2006/main" xmlns:r="http://schemas.openxmlformats.org/officeDocument/2006/relationships" xmlns:p="http://schemas.openxmlformats.org/presentationml/2006/main">
+  <p:cSld>
+    <p:spTree>
+      <p:nvGrpSpPr>
+        <p:cNvPr id="1" name=""/>
+        <p:cNvGrpSpPr/>
+        <p:nvPr/>
+      </p:nvGrpSpPr>
+      <p:grpSpPr>
+        <a:xfrm>
+          <a:off x="0" y="0"/>
+          <a:ext cx="0" cy="0"/>
+          <a:chOff x="0" y="0"/>
+          <a:chExt cx="0" cy="0"/>
+        </a:xfrm>
+      </p:grpSpPr>
+      <p:sp>
+        <p:nvSpPr>
+          <p:cNvPr id="2" name="Title 1">
+            <a:extLst>
+              <a:ext uri="{FF2B5EF4-FFF2-40B4-BE49-F238E27FC236}">
+                <a16:creationId xmlns:a16="http://schemas.microsoft.com/office/drawing/2014/main" id="{F15B4E8F-D5FA-4D6C-99D7-1DC7F6876362}"/>
+              </a:ext>
+            </a:extLst>
+          </p:cNvPr>
+          <p:cNvSpPr>
+            <a:spLocks noGrp="1"/>
+          </p:cNvSpPr>
+          <p:nvPr>
+            <p:ph type="ctrTitle"/>
+          </p:nvPr>
+        </p:nvSpPr>
+        <p:spPr>
+          <a:xfrm>
+            <a:off x="2813304" y="729171"/>
+            <a:ext cx="9144000" cy="2387600"/>
+          </a:xfrm>
+        </p:spPr>
+        <p:txBody>
+          <a:bodyPr/>
+          <a:lstStyle/>
+          <a:p>
+            <a:r>
+              <a:rPr lang="fr-FR" dirty="0"/>
+              <a:t>La méthodologie suivie</a:t>
+            </a:r>
+          </a:p>
+        </p:txBody>
+      </p:sp>
+      <p:sp>
+        <p:nvSpPr>
+          <p:cNvPr id="3" name="Subtitle 2">
+            <a:extLst>
+              <a:ext uri="{FF2B5EF4-FFF2-40B4-BE49-F238E27FC236}">
+                <a16:creationId xmlns:a16="http://schemas.microsoft.com/office/drawing/2014/main" id="{B33589E9-AB4C-4061-9616-C71380534152}"/>
+              </a:ext>
+            </a:extLst>
+          </p:cNvPr>
+          <p:cNvSpPr>
+            <a:spLocks noGrp="1"/>
+          </p:cNvSpPr>
+          <p:nvPr>
+            <p:ph type="subTitle" idx="1"/>
+          </p:nvPr>
+        </p:nvSpPr>
+        <p:spPr/>
+        <p:txBody>
+          <a:bodyPr/>
+          <a:lstStyle/>
+          <a:p>
+            <a:endParaRPr lang="en-US" dirty="0"/>
+          </a:p>
+        </p:txBody>
+      </p:sp>
+      <p:sp>
+        <p:nvSpPr>
+          <p:cNvPr id="4" name="Rectangle 3">
+            <a:extLst>
+              <a:ext uri="{FF2B5EF4-FFF2-40B4-BE49-F238E27FC236}">
+                <a16:creationId xmlns:a16="http://schemas.microsoft.com/office/drawing/2014/main" id="{12654685-E817-47ED-B128-E1BA1BEE5D3B}"/>
+              </a:ext>
+            </a:extLst>
+          </p:cNvPr>
+          <p:cNvSpPr/>
+          <p:nvPr/>
+        </p:nvSpPr>
+        <p:spPr>
+          <a:xfrm rot="20109292">
+            <a:off x="-2884511" y="-254785"/>
+            <a:ext cx="6143347" cy="9928009"/>
+          </a:xfrm>
+          <a:prstGeom prst="rect">
+            <a:avLst/>
+          </a:prstGeom>
+        </p:spPr>
+        <p:style>
+          <a:lnRef idx="2">
+            <a:schemeClr val="dk1">
+              <a:shade val="50000"/>
+            </a:schemeClr>
+          </a:lnRef>
+          <a:fillRef idx="1">
+            <a:schemeClr val="dk1"/>
+          </a:fillRef>
+          <a:effectRef idx="0">
+            <a:schemeClr val="dk1"/>
+          </a:effectRef>
+          <a:fontRef idx="minor">
+            <a:schemeClr val="lt1"/>
+          </a:fontRef>
+        </p:style>
+        <p:txBody>
+          <a:bodyPr rtlCol="0" anchor="ctr"/>
+          <a:lstStyle/>
+          <a:p>
+            <a:pPr algn="ctr"/>
+            <a:endParaRPr lang="en-US"/>
+          </a:p>
+        </p:txBody>
+      </p:sp>
+    </p:spTree>
+    <p:extLst>
+      <p:ext uri="{BB962C8B-B14F-4D97-AF65-F5344CB8AC3E}">
+        <p14:creationId xmlns:p14="http://schemas.microsoft.com/office/powerpoint/2010/main" val="4084173201"/>
+      </p:ext>
+    </p:extLst>
+  </p:cSld>
+  <p:clrMapOvr>
+    <a:masterClrMapping/>
+  </p:clrMapOvr>
+</p:sld>
+</file>
+
+<file path=ppt/slides/slide32.xml><?xml version="1.0" encoding="utf-8"?>
+<p:sld xmlns:a="http://schemas.openxmlformats.org/drawingml/2006/main" xmlns:r="http://schemas.openxmlformats.org/officeDocument/2006/relationships" xmlns:p="http://schemas.openxmlformats.org/presentationml/2006/main">
+  <p:cSld>
+    <p:spTree>
+      <p:nvGrpSpPr>
+        <p:cNvPr id="1" name=""/>
+        <p:cNvGrpSpPr/>
+        <p:nvPr/>
+      </p:nvGrpSpPr>
+      <p:grpSpPr>
+        <a:xfrm>
+          <a:off x="0" y="0"/>
+          <a:ext cx="0" cy="0"/>
+          <a:chOff x="0" y="0"/>
+          <a:chExt cx="0" cy="0"/>
+        </a:xfrm>
+      </p:grpSpPr>
+      <p:sp>
+        <p:nvSpPr>
+          <p:cNvPr id="3" name="Subtitle 2">
+            <a:extLst>
+              <a:ext uri="{FF2B5EF4-FFF2-40B4-BE49-F238E27FC236}">
+                <a16:creationId xmlns:a16="http://schemas.microsoft.com/office/drawing/2014/main" id="{B33589E9-AB4C-4061-9616-C71380534152}"/>
+              </a:ext>
+            </a:extLst>
+          </p:cNvPr>
+          <p:cNvSpPr>
+            <a:spLocks noGrp="1"/>
+          </p:cNvSpPr>
+          <p:nvPr>
+            <p:ph type="subTitle" idx="1"/>
+          </p:nvPr>
+        </p:nvSpPr>
+        <p:spPr>
+          <a:xfrm>
+            <a:off x="1524000" y="2350288"/>
+            <a:ext cx="9144000" cy="2585696"/>
+          </a:xfrm>
+        </p:spPr>
+        <p:txBody>
+          <a:bodyPr>
+            <a:normAutofit/>
+          </a:bodyPr>
+          <a:lstStyle/>
+          <a:p>
+            <a:r>
+              <a:rPr lang="fr-SN" dirty="0"/>
+              <a:t>Prédiction  :</a:t>
+            </a:r>
+          </a:p>
+          <a:p>
+            <a:r>
+              <a:rPr lang="fr-SN" dirty="0"/>
+              <a:t>Recherche de données</a:t>
+            </a:r>
+          </a:p>
+          <a:p>
+            <a:r>
+              <a:rPr lang="fr-SN" dirty="0"/>
+              <a:t>Traitements des données</a:t>
+            </a:r>
+          </a:p>
+          <a:p>
+            <a:r>
+              <a:rPr lang="fr-SN" dirty="0"/>
+              <a:t>Observation de la tendance d’évolution</a:t>
+            </a:r>
+          </a:p>
+          <a:p>
+            <a:r>
+              <a:rPr lang="fr-SN" dirty="0"/>
+              <a:t>Modèle de régression</a:t>
+            </a:r>
+          </a:p>
+          <a:p>
+            <a:endParaRPr lang="fr-SN" dirty="0"/>
+          </a:p>
+        </p:txBody>
+      </p:sp>
+    </p:spTree>
+    <p:extLst>
+      <p:ext uri="{BB962C8B-B14F-4D97-AF65-F5344CB8AC3E}">
+        <p14:creationId xmlns:p14="http://schemas.microsoft.com/office/powerpoint/2010/main" val="3642815922"/>
+      </p:ext>
+    </p:extLst>
+  </p:cSld>
+  <p:clrMapOvr>
+    <a:masterClrMapping/>
+  </p:clrMapOvr>
+</p:sld>
+</file>
+
+<file path=ppt/slides/slide33.xml><?xml version="1.0" encoding="utf-8"?>
+<p:sld xmlns:a="http://schemas.openxmlformats.org/drawingml/2006/main" xmlns:r="http://schemas.openxmlformats.org/officeDocument/2006/relationships" xmlns:p="http://schemas.openxmlformats.org/presentationml/2006/main">
+  <p:cSld>
+    <p:spTree>
+      <p:nvGrpSpPr>
+        <p:cNvPr id="1" name=""/>
+        <p:cNvGrpSpPr/>
+        <p:nvPr/>
+      </p:nvGrpSpPr>
+      <p:grpSpPr>
+        <a:xfrm>
+          <a:off x="0" y="0"/>
+          <a:ext cx="0" cy="0"/>
+          <a:chOff x="0" y="0"/>
+          <a:chExt cx="0" cy="0"/>
+        </a:xfrm>
+      </p:grpSpPr>
+      <p:sp>
+        <p:nvSpPr>
+          <p:cNvPr id="3" name="Subtitle 2">
+            <a:extLst>
+              <a:ext uri="{FF2B5EF4-FFF2-40B4-BE49-F238E27FC236}">
+                <a16:creationId xmlns:a16="http://schemas.microsoft.com/office/drawing/2014/main" id="{B33589E9-AB4C-4061-9616-C71380534152}"/>
+              </a:ext>
+            </a:extLst>
+          </p:cNvPr>
+          <p:cNvSpPr>
+            <a:spLocks noGrp="1"/>
+          </p:cNvSpPr>
+          <p:nvPr>
+            <p:ph type="subTitle" idx="1"/>
+          </p:nvPr>
+        </p:nvSpPr>
+        <p:spPr>
+          <a:xfrm>
+            <a:off x="1524000" y="1284966"/>
+            <a:ext cx="9144000" cy="4441131"/>
+          </a:xfrm>
+        </p:spPr>
+        <p:txBody>
+          <a:bodyPr>
+            <a:normAutofit/>
+          </a:bodyPr>
+          <a:lstStyle/>
+          <a:p>
+            <a:r>
+              <a:rPr lang="fr-SN" dirty="0"/>
+              <a:t>Chatbot :</a:t>
+            </a:r>
+          </a:p>
+          <a:p>
+            <a:r>
+              <a:rPr lang="fr-SN" dirty="0"/>
+              <a:t>Recherche de données</a:t>
+            </a:r>
+          </a:p>
+          <a:p>
+            <a:r>
+              <a:rPr lang="fr-SN" dirty="0"/>
+              <a:t>Traitements des données</a:t>
+            </a:r>
+          </a:p>
+          <a:p>
+            <a:r>
+              <a:rPr lang="fr-SN" dirty="0"/>
+              <a:t>La recherche en grille</a:t>
+            </a:r>
+          </a:p>
+          <a:p>
+            <a:r>
+              <a:rPr lang="fr-SN" dirty="0"/>
+              <a:t>Choix du modèle de Machine Learning</a:t>
+            </a:r>
+          </a:p>
+          <a:p>
+            <a:r>
+              <a:rPr lang="fr-SN" dirty="0"/>
+              <a:t>Intent classification</a:t>
+            </a:r>
+          </a:p>
+          <a:p>
+            <a:r>
+              <a:rPr lang="fr-SN" dirty="0"/>
+              <a:t>L’</a:t>
+            </a:r>
+            <a:r>
+              <a:rPr lang="fr-SN" dirty="0" err="1"/>
+              <a:t>Entity</a:t>
+            </a:r>
+            <a:r>
+              <a:rPr lang="fr-SN" dirty="0"/>
+              <a:t> </a:t>
+            </a:r>
+            <a:r>
+              <a:rPr lang="fr-SN" dirty="0" err="1"/>
+              <a:t>detection</a:t>
+            </a:r>
+            <a:endParaRPr lang="fr-SN" dirty="0"/>
+          </a:p>
+          <a:p>
+            <a:r>
+              <a:rPr lang="fr-SN" dirty="0"/>
+              <a:t>Gestion des réponses</a:t>
+            </a:r>
+          </a:p>
+          <a:p>
+            <a:r>
+              <a:rPr lang="fr-SN" dirty="0"/>
+              <a:t>Test de fonctionnement</a:t>
+            </a:r>
+          </a:p>
+        </p:txBody>
+      </p:sp>
+    </p:spTree>
+    <p:extLst>
+      <p:ext uri="{BB962C8B-B14F-4D97-AF65-F5344CB8AC3E}">
+        <p14:creationId xmlns:p14="http://schemas.microsoft.com/office/powerpoint/2010/main" val="4065746202"/>
+      </p:ext>
+    </p:extLst>
+  </p:cSld>
+  <p:clrMapOvr>
+    <a:masterClrMapping/>
+  </p:clrMapOvr>
+</p:sld>
+</file>
+
+<file path=ppt/slides/slide34.xml><?xml version="1.0" encoding="utf-8"?>
+<p:sld xmlns:a="http://schemas.openxmlformats.org/drawingml/2006/main" xmlns:r="http://schemas.openxmlformats.org/officeDocument/2006/relationships" xmlns:p="http://schemas.openxmlformats.org/presentationml/2006/main">
+  <p:cSld>
+    <p:spTree>
+      <p:nvGrpSpPr>
+        <p:cNvPr id="1" name=""/>
+        <p:cNvGrpSpPr/>
+        <p:nvPr/>
+      </p:nvGrpSpPr>
+      <p:grpSpPr>
+        <a:xfrm>
+          <a:off x="0" y="0"/>
+          <a:ext cx="0" cy="0"/>
+          <a:chOff x="0" y="0"/>
+          <a:chExt cx="0" cy="0"/>
+        </a:xfrm>
+      </p:grpSpPr>
+      <p:sp>
+        <p:nvSpPr>
+          <p:cNvPr id="2" name="Title 1">
+            <a:extLst>
+              <a:ext uri="{FF2B5EF4-FFF2-40B4-BE49-F238E27FC236}">
+                <a16:creationId xmlns:a16="http://schemas.microsoft.com/office/drawing/2014/main" id="{F15B4E8F-D5FA-4D6C-99D7-1DC7F6876362}"/>
+              </a:ext>
+            </a:extLst>
+          </p:cNvPr>
+          <p:cNvSpPr>
+            <a:spLocks noGrp="1"/>
+          </p:cNvSpPr>
+          <p:nvPr>
+            <p:ph type="ctrTitle"/>
+          </p:nvPr>
+        </p:nvSpPr>
+        <p:spPr>
+          <a:xfrm>
+            <a:off x="2831592" y="710883"/>
+            <a:ext cx="9144000" cy="2387600"/>
+          </a:xfrm>
+        </p:spPr>
+        <p:txBody>
+          <a:bodyPr/>
+          <a:lstStyle/>
+          <a:p>
+            <a:r>
+              <a:rPr lang="fr-FR" dirty="0"/>
+              <a:t>Les résultats obtenus</a:t>
+            </a:r>
+          </a:p>
+        </p:txBody>
+      </p:sp>
+      <p:sp>
+        <p:nvSpPr>
+          <p:cNvPr id="3" name="Subtitle 2">
+            <a:extLst>
+              <a:ext uri="{FF2B5EF4-FFF2-40B4-BE49-F238E27FC236}">
+                <a16:creationId xmlns:a16="http://schemas.microsoft.com/office/drawing/2014/main" id="{B33589E9-AB4C-4061-9616-C71380534152}"/>
+              </a:ext>
+            </a:extLst>
+          </p:cNvPr>
+          <p:cNvSpPr>
+            <a:spLocks noGrp="1"/>
+          </p:cNvSpPr>
+          <p:nvPr>
+            <p:ph type="subTitle" idx="1"/>
+          </p:nvPr>
+        </p:nvSpPr>
+        <p:spPr/>
+        <p:txBody>
+          <a:bodyPr/>
+          <a:lstStyle/>
+          <a:p>
+            <a:endParaRPr lang="en-US" dirty="0"/>
+          </a:p>
+        </p:txBody>
+      </p:sp>
+      <p:sp>
+        <p:nvSpPr>
+          <p:cNvPr id="4" name="Rectangle 3">
+            <a:extLst>
+              <a:ext uri="{FF2B5EF4-FFF2-40B4-BE49-F238E27FC236}">
+                <a16:creationId xmlns:a16="http://schemas.microsoft.com/office/drawing/2014/main" id="{C8630DD3-6A47-4FC2-8872-89828CB07B06}"/>
+              </a:ext>
+            </a:extLst>
+          </p:cNvPr>
+          <p:cNvSpPr/>
+          <p:nvPr/>
+        </p:nvSpPr>
+        <p:spPr>
+          <a:xfrm rot="20109292">
+            <a:off x="-2884511" y="-254785"/>
+            <a:ext cx="6143347" cy="9928009"/>
+          </a:xfrm>
+          <a:prstGeom prst="rect">
+            <a:avLst/>
+          </a:prstGeom>
+        </p:spPr>
+        <p:style>
+          <a:lnRef idx="2">
+            <a:schemeClr val="dk1">
+              <a:shade val="50000"/>
+            </a:schemeClr>
+          </a:lnRef>
+          <a:fillRef idx="1">
+            <a:schemeClr val="dk1"/>
+          </a:fillRef>
+          <a:effectRef idx="0">
+            <a:schemeClr val="dk1"/>
+          </a:effectRef>
+          <a:fontRef idx="minor">
+            <a:schemeClr val="lt1"/>
+          </a:fontRef>
+        </p:style>
+        <p:txBody>
+          <a:bodyPr rtlCol="0" anchor="ctr"/>
+          <a:lstStyle/>
+          <a:p>
+            <a:pPr algn="ctr"/>
+            <a:endParaRPr lang="en-US"/>
+          </a:p>
+        </p:txBody>
+      </p:sp>
+    </p:spTree>
+    <p:extLst>
+      <p:ext uri="{BB962C8B-B14F-4D97-AF65-F5344CB8AC3E}">
+        <p14:creationId xmlns:p14="http://schemas.microsoft.com/office/powerpoint/2010/main" val="1080711116"/>
+      </p:ext>
+    </p:extLst>
+  </p:cSld>
+  <p:clrMapOvr>
+    <a:masterClrMapping/>
+  </p:clrMapOvr>
+</p:sld>
+</file>
+
+<file path=ppt/slides/slide35.xml><?xml version="1.0" encoding="utf-8"?>
+<p:sld xmlns:a="http://schemas.openxmlformats.org/drawingml/2006/main" xmlns:r="http://schemas.openxmlformats.org/officeDocument/2006/relationships" xmlns:p="http://schemas.openxmlformats.org/presentationml/2006/main">
+  <p:cSld>
+    <p:spTree>
+      <p:nvGrpSpPr>
+        <p:cNvPr id="1" name=""/>
+        <p:cNvGrpSpPr/>
+        <p:nvPr/>
+      </p:nvGrpSpPr>
+      <p:grpSpPr>
+        <a:xfrm>
+          <a:off x="0" y="0"/>
+          <a:ext cx="0" cy="0"/>
+          <a:chOff x="0" y="0"/>
+          <a:chExt cx="0" cy="0"/>
+        </a:xfrm>
+      </p:grpSpPr>
+      <p:sp>
+        <p:nvSpPr>
+          <p:cNvPr id="3" name="Subtitle 2">
+            <a:extLst>
+              <a:ext uri="{FF2B5EF4-FFF2-40B4-BE49-F238E27FC236}">
+                <a16:creationId xmlns:a16="http://schemas.microsoft.com/office/drawing/2014/main" id="{B33589E9-AB4C-4061-9616-C71380534152}"/>
+              </a:ext>
+            </a:extLst>
+          </p:cNvPr>
+          <p:cNvSpPr>
+            <a:spLocks noGrp="1"/>
+          </p:cNvSpPr>
+          <p:nvPr>
+            <p:ph type="subTitle" idx="1"/>
+          </p:nvPr>
+        </p:nvSpPr>
+        <p:spPr>
+          <a:xfrm>
+            <a:off x="1524000" y="2687643"/>
+            <a:ext cx="9144000" cy="1467107"/>
+          </a:xfrm>
+        </p:spPr>
+        <p:txBody>
+          <a:bodyPr>
+            <a:normAutofit/>
+          </a:bodyPr>
+          <a:lstStyle/>
+          <a:p>
+            <a:r>
+              <a:rPr lang="fr-SN" dirty="0"/>
+              <a:t>Expliquer le fonctionnement des applications</a:t>
+            </a:r>
+          </a:p>
+          <a:p>
+            <a:r>
+              <a:rPr lang="fr-SN" dirty="0"/>
+              <a:t>Présenter les GUI</a:t>
+            </a:r>
+          </a:p>
+          <a:p>
+            <a:r>
+              <a:rPr lang="fr-SN" dirty="0"/>
+              <a:t>Réponses </a:t>
+            </a:r>
+            <a:r>
+              <a:rPr lang="af-ZA" dirty="0"/>
+              <a:t>à</a:t>
+            </a:r>
+            <a:r>
+              <a:rPr lang="fr-SN" dirty="0"/>
+              <a:t> la problématiques</a:t>
+            </a:r>
+          </a:p>
+          <a:p>
+            <a:endParaRPr lang="fr-SN" dirty="0"/>
+          </a:p>
+        </p:txBody>
+      </p:sp>
+    </p:spTree>
+    <p:extLst>
+      <p:ext uri="{BB962C8B-B14F-4D97-AF65-F5344CB8AC3E}">
+        <p14:creationId xmlns:p14="http://schemas.microsoft.com/office/powerpoint/2010/main" val="3634076217"/>
+      </p:ext>
+    </p:extLst>
+  </p:cSld>
+  <p:clrMapOvr>
+    <a:masterClrMapping/>
+  </p:clrMapOvr>
+</p:sld>
+</file>
+
+<file path=ppt/slides/slide36.xml><?xml version="1.0" encoding="utf-8"?>
+<p:sld xmlns:a="http://schemas.openxmlformats.org/drawingml/2006/main" xmlns:r="http://schemas.openxmlformats.org/officeDocument/2006/relationships" xmlns:p="http://schemas.openxmlformats.org/presentationml/2006/main">
+  <p:cSld>
+    <p:spTree>
+      <p:nvGrpSpPr>
+        <p:cNvPr id="1" name=""/>
+        <p:cNvGrpSpPr/>
+        <p:nvPr/>
+      </p:nvGrpSpPr>
+      <p:grpSpPr>
+        <a:xfrm>
+          <a:off x="0" y="0"/>
+          <a:ext cx="0" cy="0"/>
+          <a:chOff x="0" y="0"/>
+          <a:chExt cx="0" cy="0"/>
+        </a:xfrm>
+      </p:grpSpPr>
+      <p:sp>
+        <p:nvSpPr>
+          <p:cNvPr id="2" name="Title 1">
+            <a:extLst>
+              <a:ext uri="{FF2B5EF4-FFF2-40B4-BE49-F238E27FC236}">
+                <a16:creationId xmlns:a16="http://schemas.microsoft.com/office/drawing/2014/main" id="{F15B4E8F-D5FA-4D6C-99D7-1DC7F6876362}"/>
+              </a:ext>
+            </a:extLst>
+          </p:cNvPr>
+          <p:cNvSpPr>
+            <a:spLocks noGrp="1"/>
+          </p:cNvSpPr>
+          <p:nvPr>
+            <p:ph type="ctrTitle"/>
+          </p:nvPr>
+        </p:nvSpPr>
+        <p:spPr>
+          <a:xfrm>
+            <a:off x="2904744" y="765747"/>
+            <a:ext cx="9144000" cy="2387600"/>
+          </a:xfrm>
+        </p:spPr>
+        <p:txBody>
+          <a:bodyPr/>
+          <a:lstStyle/>
+          <a:p>
+            <a:r>
+              <a:rPr lang="fr-SN" dirty="0"/>
+              <a:t>Conclusion</a:t>
+            </a:r>
+          </a:p>
+        </p:txBody>
+      </p:sp>
+      <p:sp>
+        <p:nvSpPr>
+          <p:cNvPr id="3" name="Subtitle 2">
+            <a:extLst>
+              <a:ext uri="{FF2B5EF4-FFF2-40B4-BE49-F238E27FC236}">
+                <a16:creationId xmlns:a16="http://schemas.microsoft.com/office/drawing/2014/main" id="{B33589E9-AB4C-4061-9616-C71380534152}"/>
+              </a:ext>
+            </a:extLst>
+          </p:cNvPr>
+          <p:cNvSpPr>
+            <a:spLocks noGrp="1"/>
+          </p:cNvSpPr>
+          <p:nvPr>
+            <p:ph type="subTitle" idx="1"/>
+          </p:nvPr>
+        </p:nvSpPr>
+        <p:spPr/>
+        <p:txBody>
+          <a:bodyPr/>
+          <a:lstStyle/>
+          <a:p>
+            <a:endParaRPr lang="fr-SN" dirty="0"/>
+          </a:p>
+        </p:txBody>
+      </p:sp>
+      <p:sp>
+        <p:nvSpPr>
+          <p:cNvPr id="4" name="Rectangle 3">
+            <a:extLst>
+              <a:ext uri="{FF2B5EF4-FFF2-40B4-BE49-F238E27FC236}">
+                <a16:creationId xmlns:a16="http://schemas.microsoft.com/office/drawing/2014/main" id="{C568869F-FA69-4A48-B933-7511E59D183F}"/>
+              </a:ext>
+            </a:extLst>
+          </p:cNvPr>
+          <p:cNvSpPr/>
+          <p:nvPr/>
+        </p:nvSpPr>
+        <p:spPr>
+          <a:xfrm rot="20109292">
+            <a:off x="-2884511" y="-254785"/>
+            <a:ext cx="6143347" cy="9928009"/>
+          </a:xfrm>
+          <a:prstGeom prst="rect">
+            <a:avLst/>
+          </a:prstGeom>
+        </p:spPr>
+        <p:style>
+          <a:lnRef idx="2">
+            <a:schemeClr val="dk1">
+              <a:shade val="50000"/>
+            </a:schemeClr>
+          </a:lnRef>
+          <a:fillRef idx="1">
+            <a:schemeClr val="dk1"/>
+          </a:fillRef>
+          <a:effectRef idx="0">
+            <a:schemeClr val="dk1"/>
+          </a:effectRef>
+          <a:fontRef idx="minor">
+            <a:schemeClr val="lt1"/>
+          </a:fontRef>
+        </p:style>
+        <p:txBody>
+          <a:bodyPr rtlCol="0" anchor="ctr"/>
+          <a:lstStyle/>
+          <a:p>
+            <a:pPr algn="ctr"/>
+            <a:endParaRPr lang="en-US"/>
+          </a:p>
+        </p:txBody>
+      </p:sp>
+    </p:spTree>
+    <p:extLst>
+      <p:ext uri="{BB962C8B-B14F-4D97-AF65-F5344CB8AC3E}">
+        <p14:creationId xmlns:p14="http://schemas.microsoft.com/office/powerpoint/2010/main" val="791997376"/>
+      </p:ext>
+    </p:extLst>
+  </p:cSld>
+  <p:clrMapOvr>
+    <a:masterClrMapping/>
+  </p:clrMapOvr>
+</p:sld>
+</file>
+
+<file path=ppt/slides/slide37.xml><?xml version="1.0" encoding="utf-8"?>
+<p:sld xmlns:a="http://schemas.openxmlformats.org/drawingml/2006/main" xmlns:r="http://schemas.openxmlformats.org/officeDocument/2006/relationships" xmlns:p="http://schemas.openxmlformats.org/presentationml/2006/main">
+  <p:cSld>
+    <p:spTree>
+      <p:nvGrpSpPr>
+        <p:cNvPr id="1" name=""/>
+        <p:cNvGrpSpPr/>
+        <p:nvPr/>
+      </p:nvGrpSpPr>
+      <p:grpSpPr>
+        <a:xfrm>
+          <a:off x="0" y="0"/>
+          <a:ext cx="0" cy="0"/>
+          <a:chOff x="0" y="0"/>
+          <a:chExt cx="0" cy="0"/>
+        </a:xfrm>
+      </p:grpSpPr>
+      <p:sp>
+        <p:nvSpPr>
+          <p:cNvPr id="3" name="Subtitle 2">
+            <a:extLst>
+              <a:ext uri="{FF2B5EF4-FFF2-40B4-BE49-F238E27FC236}">
+                <a16:creationId xmlns:a16="http://schemas.microsoft.com/office/drawing/2014/main" id="{B33589E9-AB4C-4061-9616-C71380534152}"/>
+              </a:ext>
+            </a:extLst>
+          </p:cNvPr>
+          <p:cNvSpPr>
+            <a:spLocks noGrp="1"/>
+          </p:cNvSpPr>
+          <p:nvPr>
+            <p:ph type="subTitle" idx="1"/>
+          </p:nvPr>
+        </p:nvSpPr>
+        <p:spPr>
+          <a:xfrm>
+            <a:off x="1524000" y="2350288"/>
+            <a:ext cx="9144000" cy="1655762"/>
+          </a:xfrm>
+        </p:spPr>
+        <p:txBody>
+          <a:bodyPr>
+            <a:normAutofit/>
+          </a:bodyPr>
+          <a:lstStyle/>
+          <a:p>
+            <a:r>
+              <a:rPr lang="fr-SN" dirty="0"/>
+              <a:t>Rappeler la réponse</a:t>
+            </a:r>
+          </a:p>
+          <a:p>
+            <a:r>
+              <a:rPr lang="fr-SN" dirty="0"/>
+              <a:t>Établir les éventuelles limites et les difficultés</a:t>
+            </a:r>
+          </a:p>
+          <a:p>
+            <a:r>
+              <a:rPr lang="fr-SN" dirty="0"/>
+              <a:t>Perspectives</a:t>
+            </a:r>
+          </a:p>
+          <a:p>
+            <a:endParaRPr lang="fr-SN" dirty="0"/>
+          </a:p>
+        </p:txBody>
+      </p:sp>
+    </p:spTree>
+    <p:extLst>
+      <p:ext uri="{BB962C8B-B14F-4D97-AF65-F5344CB8AC3E}">
+        <p14:creationId xmlns:p14="http://schemas.microsoft.com/office/powerpoint/2010/main" val="2906067636"/>
       </p:ext>
     </p:extLst>
   </p:cSld>
@@ -5007,7 +7235,7 @@
     </p:spTree>
     <p:extLst>
       <p:ext uri="{BB962C8B-B14F-4D97-AF65-F5344CB8AC3E}">
-        <p14:creationId xmlns:p14="http://schemas.microsoft.com/office/powerpoint/2010/main" val="3829346414"/>
+        <p14:creationId xmlns:p14="http://schemas.microsoft.com/office/powerpoint/2010/main" val="3060807663"/>
       </p:ext>
     </p:extLst>
   </p:cSld>
@@ -5036,112 +7264,43 @@
       </p:grpSpPr>
       <p:sp>
         <p:nvSpPr>
-          <p:cNvPr id="2" name="Title 1">
-            <a:extLst>
-              <a:ext uri="{FF2B5EF4-FFF2-40B4-BE49-F238E27FC236}">
-                <a16:creationId xmlns:a16="http://schemas.microsoft.com/office/drawing/2014/main" id="{F15B4E8F-D5FA-4D6C-99D7-1DC7F6876362}"/>
-              </a:ext>
-            </a:extLst>
-          </p:cNvPr>
-          <p:cNvSpPr>
-            <a:spLocks noGrp="1"/>
-          </p:cNvSpPr>
-          <p:nvPr>
-            <p:ph type="ctrTitle"/>
+          <p:cNvPr id="3" name="Subtitle 2">
+            <a:extLst>
+              <a:ext uri="{FF2B5EF4-FFF2-40B4-BE49-F238E27FC236}">
+                <a16:creationId xmlns:a16="http://schemas.microsoft.com/office/drawing/2014/main" id="{B33589E9-AB4C-4061-9616-C71380534152}"/>
+              </a:ext>
+            </a:extLst>
+          </p:cNvPr>
+          <p:cNvSpPr>
+            <a:spLocks noGrp="1"/>
+          </p:cNvSpPr>
+          <p:nvPr>
+            <p:ph type="subTitle" idx="1"/>
           </p:nvPr>
         </p:nvSpPr>
         <p:spPr>
           <a:xfrm>
-            <a:off x="2923032" y="1041400"/>
-            <a:ext cx="9144000" cy="2387600"/>
+            <a:off x="1524000" y="2350288"/>
+            <a:ext cx="9144000" cy="1655762"/>
           </a:xfrm>
         </p:spPr>
         <p:txBody>
-          <a:bodyPr/>
-          <a:lstStyle/>
-          <a:p>
-            <a:r>
-              <a:rPr lang="fr-FR" dirty="0"/>
-              <a:t>La revue de la littérature</a:t>
-            </a:r>
-          </a:p>
-        </p:txBody>
-      </p:sp>
-      <p:sp>
-        <p:nvSpPr>
-          <p:cNvPr id="3" name="Subtitle 2">
-            <a:extLst>
-              <a:ext uri="{FF2B5EF4-FFF2-40B4-BE49-F238E27FC236}">
-                <a16:creationId xmlns:a16="http://schemas.microsoft.com/office/drawing/2014/main" id="{B33589E9-AB4C-4061-9616-C71380534152}"/>
-              </a:ext>
-            </a:extLst>
-          </p:cNvPr>
-          <p:cNvSpPr>
-            <a:spLocks noGrp="1"/>
-          </p:cNvSpPr>
-          <p:nvPr>
-            <p:ph type="subTitle" idx="1"/>
-          </p:nvPr>
-        </p:nvSpPr>
-        <p:spPr/>
-        <p:txBody>
-          <a:bodyPr/>
-          <a:lstStyle/>
-          <a:p>
-            <a:endParaRPr lang="en-US" dirty="0"/>
-          </a:p>
-        </p:txBody>
-      </p:sp>
-      <p:sp>
-        <p:nvSpPr>
-          <p:cNvPr id="4" name="Rectangle 3">
-            <a:extLst>
-              <a:ext uri="{FF2B5EF4-FFF2-40B4-BE49-F238E27FC236}">
-                <a16:creationId xmlns:a16="http://schemas.microsoft.com/office/drawing/2014/main" id="{5063A5AF-ACCD-4CA0-A97F-85D3D163D6C2}"/>
-              </a:ext>
-            </a:extLst>
-          </p:cNvPr>
-          <p:cNvSpPr/>
-          <p:nvPr/>
-        </p:nvSpPr>
-        <p:spPr>
-          <a:xfrm rot="20109292">
-            <a:off x="-2884511" y="-254785"/>
-            <a:ext cx="6143347" cy="9928009"/>
-          </a:xfrm>
-          <a:prstGeom prst="rect">
-            <a:avLst/>
-          </a:prstGeom>
-        </p:spPr>
-        <p:style>
-          <a:lnRef idx="2">
-            <a:schemeClr val="dk1">
-              <a:shade val="50000"/>
-            </a:schemeClr>
-          </a:lnRef>
-          <a:fillRef idx="1">
-            <a:schemeClr val="dk1"/>
-          </a:fillRef>
-          <a:effectRef idx="0">
-            <a:schemeClr val="dk1"/>
-          </a:effectRef>
-          <a:fontRef idx="minor">
-            <a:schemeClr val="lt1"/>
-          </a:fontRef>
-        </p:style>
-        <p:txBody>
-          <a:bodyPr rtlCol="0" anchor="ctr"/>
-          <a:lstStyle/>
-          <a:p>
-            <a:pPr algn="ctr"/>
-            <a:endParaRPr lang="en-US"/>
+          <a:bodyPr>
+            <a:normAutofit/>
+          </a:bodyPr>
+          <a:lstStyle/>
+          <a:p>
+            <a:r>
+              <a:rPr lang="fr-SN" dirty="0"/>
+              <a:t>Accroche</a:t>
+            </a:r>
           </a:p>
         </p:txBody>
       </p:sp>
     </p:spTree>
     <p:extLst>
       <p:ext uri="{BB962C8B-B14F-4D97-AF65-F5344CB8AC3E}">
-        <p14:creationId xmlns:p14="http://schemas.microsoft.com/office/powerpoint/2010/main" val="2266349983"/>
+        <p14:creationId xmlns:p14="http://schemas.microsoft.com/office/powerpoint/2010/main" val="2746411912"/>
       </p:ext>
     </p:extLst>
   </p:cSld>
@@ -5186,31 +7345,167 @@
         </p:nvSpPr>
         <p:spPr>
           <a:xfrm>
-            <a:off x="1524000" y="2350288"/>
-            <a:ext cx="9144000" cy="1422722"/>
+            <a:off x="1524000" y="1811045"/>
+            <a:ext cx="9144000" cy="3045040"/>
           </a:xfrm>
         </p:spPr>
         <p:txBody>
           <a:bodyPr>
-            <a:normAutofit/>
+            <a:normAutofit fontScale="92500" lnSpcReduction="20000"/>
           </a:bodyPr>
           <a:lstStyle/>
           <a:p>
             <a:r>
               <a:rPr lang="fr-SN" dirty="0"/>
-              <a:t>Application existantes de prédiction</a:t>
-            </a:r>
-          </a:p>
-          <a:p>
+              <a:t>Accroche</a:t>
+            </a:r>
+          </a:p>
+          <a:p>
+            <a:pPr marL="342900" indent="-342900" algn="l">
+              <a:buFont typeface="Arial" panose="020B0604020202020204" pitchFamily="34" charset="0"/>
+              <a:buChar char="•"/>
+            </a:pPr>
+            <a:r>
+              <a:rPr lang="en-US" dirty="0" err="1"/>
+              <a:t>En</a:t>
+            </a:r>
+            <a:r>
+              <a:rPr lang="en-US" dirty="0"/>
+              <a:t> 1952 : </a:t>
+            </a:r>
+            <a:r>
+              <a:rPr lang="en-US" dirty="0" err="1"/>
+              <a:t>Noughts</a:t>
+            </a:r>
+            <a:r>
+              <a:rPr lang="en-US" dirty="0"/>
+              <a:t> and Crosses, un </a:t>
+            </a:r>
+            <a:r>
+              <a:rPr lang="en-US" dirty="0" err="1"/>
+              <a:t>programme</a:t>
+            </a:r>
+            <a:r>
+              <a:rPr lang="en-US" dirty="0"/>
+              <a:t> </a:t>
+            </a:r>
+            <a:r>
+              <a:rPr lang="en-US" dirty="0" err="1"/>
+              <a:t>informatique</a:t>
+            </a:r>
+            <a:r>
+              <a:rPr lang="en-US" dirty="0"/>
+              <a:t> qui </a:t>
+            </a:r>
+            <a:r>
+              <a:rPr lang="en-US" dirty="0" err="1"/>
+              <a:t>gagne</a:t>
+            </a:r>
+            <a:r>
+              <a:rPr lang="en-US" dirty="0"/>
+              <a:t> a </a:t>
+            </a:r>
+            <a:r>
+              <a:rPr lang="en-US" dirty="0" err="1"/>
+              <a:t>tous</a:t>
+            </a:r>
+            <a:r>
+              <a:rPr lang="en-US" dirty="0"/>
+              <a:t> coup au jeu du Tic-Tac-Toe</a:t>
+            </a:r>
             <a:r>
               <a:rPr lang="fr-SN" dirty="0"/>
-              <a:t>Chatbot existants sur la finance</a:t>
-            </a:r>
-          </a:p>
-          <a:p>
+              <a:t> par </a:t>
+            </a:r>
+            <a:r>
+              <a:rPr lang="en-US" dirty="0"/>
+              <a:t>A.S. Douglas</a:t>
+            </a:r>
+            <a:endParaRPr lang="fr-SN" dirty="0"/>
+          </a:p>
+          <a:p>
+            <a:pPr marL="342900" indent="-342900" algn="l">
+              <a:buFont typeface="Arial" panose="020B0604020202020204" pitchFamily="34" charset="0"/>
+              <a:buChar char="•"/>
+            </a:pPr>
             <a:r>
               <a:rPr lang="fr-SN" dirty="0"/>
-              <a:t>La nouveauté que l’on va apportée</a:t>
+              <a:t>En 1994 : </a:t>
+            </a:r>
+            <a:r>
+              <a:rPr lang="en-US" i="1" dirty="0"/>
+              <a:t>Chinook, </a:t>
+            </a:r>
+            <a:r>
+              <a:rPr lang="en-US" dirty="0" err="1"/>
+              <a:t>une</a:t>
+            </a:r>
+            <a:r>
+              <a:rPr lang="en-US" dirty="0"/>
+              <a:t> IA</a:t>
+            </a:r>
+            <a:r>
+              <a:rPr lang="en-US" i="1" dirty="0"/>
+              <a:t> </a:t>
+            </a:r>
+            <a:r>
+              <a:rPr lang="fr-FR" dirty="0"/>
+              <a:t>développé à l'Université de l'Alberta, bat le </a:t>
+            </a:r>
+            <a:r>
+              <a:rPr lang="en-US" dirty="0"/>
+              <a:t>champion </a:t>
+            </a:r>
+            <a:r>
+              <a:rPr lang="en-US" dirty="0" err="1"/>
+              <a:t>mondial</a:t>
+            </a:r>
+            <a:r>
+              <a:rPr lang="en-US" dirty="0"/>
+              <a:t> de dames</a:t>
+            </a:r>
+            <a:endParaRPr lang="fr-SN" dirty="0"/>
+          </a:p>
+          <a:p>
+            <a:pPr marL="342900" indent="-342900" algn="l">
+              <a:buFont typeface="Arial" panose="020B0604020202020204" pitchFamily="34" charset="0"/>
+              <a:buChar char="•"/>
+            </a:pPr>
+            <a:r>
+              <a:rPr lang="fr-SN" dirty="0"/>
+              <a:t>En 1997 : c’est au tout du jeu d’</a:t>
+            </a:r>
+            <a:r>
+              <a:rPr lang="fr-SN" dirty="0" err="1"/>
+              <a:t>echec</a:t>
+            </a:r>
+            <a:r>
+              <a:rPr lang="fr-SN" dirty="0"/>
+              <a:t> de tomber </a:t>
+            </a:r>
+            <a:r>
+              <a:rPr lang="fr-FR" dirty="0"/>
+              <a:t>lorsqu'</a:t>
+            </a:r>
+            <a:r>
+              <a:rPr lang="fr-FR" b="1" dirty="0"/>
+              <a:t>IBM Deep Blue</a:t>
+            </a:r>
+            <a:r>
+              <a:rPr lang="fr-FR" dirty="0"/>
+              <a:t> a battu le champion du monde d'échecs</a:t>
+            </a:r>
+            <a:endParaRPr lang="fr-SN" dirty="0"/>
+          </a:p>
+          <a:p>
+            <a:pPr algn="l"/>
+            <a:endParaRPr lang="fr-SN" dirty="0"/>
+          </a:p>
+          <a:p>
+            <a:pPr algn="l"/>
+            <a:r>
+              <a:rPr lang="fr-SN" dirty="0"/>
+              <a:t>Donc l’IA se comporte très bien avec les jeux de stratégie !</a:t>
             </a:r>
           </a:p>
         </p:txBody>
@@ -5218,7 +7513,7 @@
     </p:spTree>
     <p:extLst>
       <p:ext uri="{BB962C8B-B14F-4D97-AF65-F5344CB8AC3E}">
-        <p14:creationId xmlns:p14="http://schemas.microsoft.com/office/powerpoint/2010/main" val="3794813465"/>
+        <p14:creationId xmlns:p14="http://schemas.microsoft.com/office/powerpoint/2010/main" val="3829346414"/>
       </p:ext>
     </p:extLst>
   </p:cSld>
@@ -5247,112 +7542,93 @@
       </p:grpSpPr>
       <p:sp>
         <p:nvSpPr>
-          <p:cNvPr id="2" name="Title 1">
-            <a:extLst>
-              <a:ext uri="{FF2B5EF4-FFF2-40B4-BE49-F238E27FC236}">
-                <a16:creationId xmlns:a16="http://schemas.microsoft.com/office/drawing/2014/main" id="{F15B4E8F-D5FA-4D6C-99D7-1DC7F6876362}"/>
-              </a:ext>
-            </a:extLst>
-          </p:cNvPr>
-          <p:cNvSpPr>
-            <a:spLocks noGrp="1"/>
-          </p:cNvSpPr>
-          <p:nvPr>
-            <p:ph type="ctrTitle"/>
+          <p:cNvPr id="3" name="Subtitle 2">
+            <a:extLst>
+              <a:ext uri="{FF2B5EF4-FFF2-40B4-BE49-F238E27FC236}">
+                <a16:creationId xmlns:a16="http://schemas.microsoft.com/office/drawing/2014/main" id="{B33589E9-AB4C-4061-9616-C71380534152}"/>
+              </a:ext>
+            </a:extLst>
+          </p:cNvPr>
+          <p:cNvSpPr>
+            <a:spLocks noGrp="1"/>
+          </p:cNvSpPr>
+          <p:nvPr>
+            <p:ph type="subTitle" idx="1"/>
           </p:nvPr>
         </p:nvSpPr>
         <p:spPr>
           <a:xfrm>
-            <a:off x="2731008" y="868362"/>
-            <a:ext cx="9144000" cy="2387600"/>
+            <a:off x="1524000" y="1811045"/>
+            <a:ext cx="9144000" cy="3045040"/>
           </a:xfrm>
         </p:spPr>
         <p:txBody>
-          <a:bodyPr/>
-          <a:lstStyle/>
-          <a:p>
-            <a:r>
-              <a:rPr lang="fr-FR" dirty="0"/>
-              <a:t>Les objectifs du mémoire</a:t>
-            </a:r>
-          </a:p>
-        </p:txBody>
-      </p:sp>
-      <p:sp>
-        <p:nvSpPr>
-          <p:cNvPr id="3" name="Subtitle 2">
-            <a:extLst>
-              <a:ext uri="{FF2B5EF4-FFF2-40B4-BE49-F238E27FC236}">
-                <a16:creationId xmlns:a16="http://schemas.microsoft.com/office/drawing/2014/main" id="{B33589E9-AB4C-4061-9616-C71380534152}"/>
-              </a:ext>
-            </a:extLst>
-          </p:cNvPr>
-          <p:cNvSpPr>
-            <a:spLocks noGrp="1"/>
-          </p:cNvSpPr>
-          <p:nvPr>
-            <p:ph type="subTitle" idx="1"/>
-          </p:nvPr>
-        </p:nvSpPr>
-        <p:spPr/>
-        <p:txBody>
-          <a:bodyPr/>
-          <a:lstStyle/>
-          <a:p>
-            <a:endParaRPr lang="en-US" dirty="0"/>
-          </a:p>
-        </p:txBody>
-      </p:sp>
-      <p:sp>
-        <p:nvSpPr>
-          <p:cNvPr id="4" name="Rectangle 3">
-            <a:extLst>
-              <a:ext uri="{FF2B5EF4-FFF2-40B4-BE49-F238E27FC236}">
-                <a16:creationId xmlns:a16="http://schemas.microsoft.com/office/drawing/2014/main" id="{D4DA5E2F-787E-48B9-AEEE-B331F68B93ED}"/>
-              </a:ext>
-            </a:extLst>
-          </p:cNvPr>
-          <p:cNvSpPr/>
-          <p:nvPr/>
-        </p:nvSpPr>
-        <p:spPr>
-          <a:xfrm rot="20109292">
-            <a:off x="-2884511" y="-254785"/>
-            <a:ext cx="6143347" cy="9928009"/>
-          </a:xfrm>
-          <a:prstGeom prst="rect">
-            <a:avLst/>
-          </a:prstGeom>
-        </p:spPr>
-        <p:style>
-          <a:lnRef idx="2">
-            <a:schemeClr val="dk1">
-              <a:shade val="50000"/>
-            </a:schemeClr>
-          </a:lnRef>
-          <a:fillRef idx="1">
-            <a:schemeClr val="dk1"/>
-          </a:fillRef>
-          <a:effectRef idx="0">
-            <a:schemeClr val="dk1"/>
-          </a:effectRef>
-          <a:fontRef idx="minor">
-            <a:schemeClr val="lt1"/>
-          </a:fontRef>
-        </p:style>
-        <p:txBody>
-          <a:bodyPr rtlCol="0" anchor="ctr"/>
-          <a:lstStyle/>
-          <a:p>
-            <a:pPr algn="ctr"/>
-            <a:endParaRPr lang="en-US"/>
+          <a:bodyPr>
+            <a:normAutofit fontScale="92500" lnSpcReduction="20000"/>
+          </a:bodyPr>
+          <a:lstStyle/>
+          <a:p>
+            <a:r>
+              <a:rPr lang="fr-SN" dirty="0"/>
+              <a:t>NEANMOINS !!!</a:t>
+            </a:r>
+          </a:p>
+          <a:p>
+            <a:pPr algn="l"/>
+            <a:r>
+              <a:rPr lang="fr-SN" dirty="0"/>
+              <a:t>Il y a un jeu qui a été une casse-tête aux scientifique : c’est le jeu du Go</a:t>
+            </a:r>
+          </a:p>
+          <a:p>
+            <a:pPr algn="l"/>
+            <a:r>
+              <a:rPr lang="fr-SN" dirty="0"/>
+              <a:t>Du fait …</a:t>
+            </a:r>
+          </a:p>
+          <a:p>
+            <a:pPr algn="l"/>
+            <a:r>
+              <a:rPr lang="fr-SN" dirty="0"/>
+              <a:t>Mais ce dernier va éventuellement tomber en 2016, </a:t>
+            </a:r>
+            <a:r>
+              <a:rPr lang="fr-SN" dirty="0" err="1"/>
+              <a:t>AlphaGo</a:t>
+            </a:r>
+            <a:r>
+              <a:rPr lang="fr-SN" dirty="0"/>
+              <a:t> développe une IA qui a battu le champion du monde.</a:t>
+            </a:r>
+          </a:p>
+          <a:p>
+            <a:pPr algn="l"/>
+            <a:r>
+              <a:rPr lang="fr-SN" dirty="0"/>
+              <a:t>Ce moment constitue la prise conscience mondiale sur la puissance de l’AI.</a:t>
+            </a:r>
+            <a:br>
+              <a:rPr lang="fr-SN" dirty="0"/>
+            </a:br>
+            <a:r>
+              <a:rPr lang="fr-SN" dirty="0"/>
+              <a:t>Nous allons voir dans cette présentation qu’il y a d’autres applications de l’IA plus sérieux que les jeu de société.</a:t>
+            </a:r>
+          </a:p>
+          <a:p>
+            <a:pPr algn="l"/>
+            <a:r>
+              <a:rPr lang="fr-SN" dirty="0"/>
+              <a:t>Notamment la finance !!!</a:t>
+            </a:r>
           </a:p>
         </p:txBody>
       </p:sp>
     </p:spTree>
     <p:extLst>
       <p:ext uri="{BB962C8B-B14F-4D97-AF65-F5344CB8AC3E}">
-        <p14:creationId xmlns:p14="http://schemas.microsoft.com/office/powerpoint/2010/main" val="112055440"/>
+        <p14:creationId xmlns:p14="http://schemas.microsoft.com/office/powerpoint/2010/main" val="3054490129"/>
       </p:ext>
     </p:extLst>
   </p:cSld>
@@ -5397,8 +7673,8 @@
         </p:nvSpPr>
         <p:spPr>
           <a:xfrm>
-            <a:off x="1524000" y="2607742"/>
-            <a:ext cx="9144000" cy="1529252"/>
+            <a:off x="1524000" y="2350288"/>
+            <a:ext cx="9144000" cy="1655762"/>
           </a:xfrm>
         </p:spPr>
         <p:txBody>
@@ -5409,19 +7685,7 @@
           <a:p>
             <a:r>
               <a:rPr lang="fr-SN" dirty="0"/>
-              <a:t>Développer une application de l’analyse financière prédictive</a:t>
-            </a:r>
-          </a:p>
-          <a:p>
-            <a:r>
-              <a:rPr lang="fr-SN" dirty="0"/>
-              <a:t>Développer un Chatbot de communication avec les états financiers</a:t>
-            </a:r>
-          </a:p>
-          <a:p>
-            <a:r>
-              <a:rPr lang="fr-SN" dirty="0"/>
-              <a:t>Comprendre l’analyse financière</a:t>
+              <a:t>Pourquoi ce sujet</a:t>
             </a:r>
           </a:p>
         </p:txBody>
@@ -5429,7 +7693,7 @@
     </p:spTree>
     <p:extLst>
       <p:ext uri="{BB962C8B-B14F-4D97-AF65-F5344CB8AC3E}">
-        <p14:creationId xmlns:p14="http://schemas.microsoft.com/office/powerpoint/2010/main" val="1549543962"/>
+        <p14:creationId xmlns:p14="http://schemas.microsoft.com/office/powerpoint/2010/main" val="2661935493"/>
       </p:ext>
     </p:extLst>
   </p:cSld>
@@ -5458,112 +7722,73 @@
       </p:grpSpPr>
       <p:sp>
         <p:nvSpPr>
-          <p:cNvPr id="2" name="Title 1">
-            <a:extLst>
-              <a:ext uri="{FF2B5EF4-FFF2-40B4-BE49-F238E27FC236}">
-                <a16:creationId xmlns:a16="http://schemas.microsoft.com/office/drawing/2014/main" id="{F15B4E8F-D5FA-4D6C-99D7-1DC7F6876362}"/>
-              </a:ext>
-            </a:extLst>
-          </p:cNvPr>
-          <p:cNvSpPr>
-            <a:spLocks noGrp="1"/>
-          </p:cNvSpPr>
-          <p:nvPr>
-            <p:ph type="ctrTitle"/>
+          <p:cNvPr id="3" name="Subtitle 2">
+            <a:extLst>
+              <a:ext uri="{FF2B5EF4-FFF2-40B4-BE49-F238E27FC236}">
+                <a16:creationId xmlns:a16="http://schemas.microsoft.com/office/drawing/2014/main" id="{B33589E9-AB4C-4061-9616-C71380534152}"/>
+              </a:ext>
+            </a:extLst>
+          </p:cNvPr>
+          <p:cNvSpPr>
+            <a:spLocks noGrp="1"/>
+          </p:cNvSpPr>
+          <p:nvPr>
+            <p:ph type="subTitle" idx="1"/>
           </p:nvPr>
         </p:nvSpPr>
         <p:spPr>
           <a:xfrm>
-            <a:off x="2813304" y="729171"/>
-            <a:ext cx="9144000" cy="2387600"/>
+            <a:off x="1524000" y="2350288"/>
+            <a:ext cx="9144000" cy="2328244"/>
           </a:xfrm>
         </p:spPr>
         <p:txBody>
-          <a:bodyPr/>
-          <a:lstStyle/>
-          <a:p>
-            <a:r>
-              <a:rPr lang="fr-FR" dirty="0"/>
-              <a:t>La méthodologie suivie</a:t>
-            </a:r>
-          </a:p>
-        </p:txBody>
-      </p:sp>
-      <p:sp>
-        <p:nvSpPr>
-          <p:cNvPr id="3" name="Subtitle 2">
-            <a:extLst>
-              <a:ext uri="{FF2B5EF4-FFF2-40B4-BE49-F238E27FC236}">
-                <a16:creationId xmlns:a16="http://schemas.microsoft.com/office/drawing/2014/main" id="{B33589E9-AB4C-4061-9616-C71380534152}"/>
-              </a:ext>
-            </a:extLst>
-          </p:cNvPr>
-          <p:cNvSpPr>
-            <a:spLocks noGrp="1"/>
-          </p:cNvSpPr>
-          <p:nvPr>
-            <p:ph type="subTitle" idx="1"/>
-          </p:nvPr>
-        </p:nvSpPr>
-        <p:spPr/>
-        <p:txBody>
-          <a:bodyPr/>
-          <a:lstStyle/>
-          <a:p>
-            <a:endParaRPr lang="en-US" dirty="0"/>
-          </a:p>
-        </p:txBody>
-      </p:sp>
-      <p:sp>
-        <p:nvSpPr>
-          <p:cNvPr id="4" name="Rectangle 3">
-            <a:extLst>
-              <a:ext uri="{FF2B5EF4-FFF2-40B4-BE49-F238E27FC236}">
-                <a16:creationId xmlns:a16="http://schemas.microsoft.com/office/drawing/2014/main" id="{12654685-E817-47ED-B128-E1BA1BEE5D3B}"/>
-              </a:ext>
-            </a:extLst>
-          </p:cNvPr>
-          <p:cNvSpPr/>
-          <p:nvPr/>
-        </p:nvSpPr>
-        <p:spPr>
-          <a:xfrm rot="20109292">
-            <a:off x="-2884511" y="-254785"/>
-            <a:ext cx="6143347" cy="9928009"/>
-          </a:xfrm>
-          <a:prstGeom prst="rect">
-            <a:avLst/>
-          </a:prstGeom>
-        </p:spPr>
-        <p:style>
-          <a:lnRef idx="2">
-            <a:schemeClr val="dk1">
-              <a:shade val="50000"/>
-            </a:schemeClr>
-          </a:lnRef>
-          <a:fillRef idx="1">
-            <a:schemeClr val="dk1"/>
-          </a:fillRef>
-          <a:effectRef idx="0">
-            <a:schemeClr val="dk1"/>
-          </a:effectRef>
-          <a:fontRef idx="minor">
-            <a:schemeClr val="lt1"/>
-          </a:fontRef>
-        </p:style>
-        <p:txBody>
-          <a:bodyPr rtlCol="0" anchor="ctr"/>
-          <a:lstStyle/>
-          <a:p>
-            <a:pPr algn="ctr"/>
-            <a:endParaRPr lang="en-US"/>
+          <a:bodyPr>
+            <a:normAutofit/>
+          </a:bodyPr>
+          <a:lstStyle/>
+          <a:p>
+            <a:r>
+              <a:rPr lang="fr-SN" i="1" dirty="0"/>
+              <a:t>Motivations personnelles</a:t>
+            </a:r>
+          </a:p>
+          <a:p>
+            <a:pPr marL="342900" indent="-342900" algn="l">
+              <a:buFont typeface="Arial" panose="020B0604020202020204" pitchFamily="34" charset="0"/>
+              <a:buChar char="•"/>
+            </a:pPr>
+            <a:r>
+              <a:rPr lang="fr-SN" dirty="0"/>
+              <a:t>Intérêt personnel pour l’IA et informatique</a:t>
+            </a:r>
+          </a:p>
+          <a:p>
+            <a:pPr marL="342900" indent="-342900" algn="l">
+              <a:buFont typeface="Arial" panose="020B0604020202020204" pitchFamily="34" charset="0"/>
+              <a:buChar char="•"/>
+            </a:pPr>
+            <a:r>
+              <a:rPr lang="fr-SN" dirty="0"/>
+              <a:t>Mettre en pratique les connaissance toriques acquises lors de la MIAGE</a:t>
+            </a:r>
+          </a:p>
+          <a:p>
+            <a:pPr marL="342900" indent="-342900" algn="l">
+              <a:buFont typeface="Arial" panose="020B0604020202020204" pitchFamily="34" charset="0"/>
+              <a:buChar char="•"/>
+            </a:pPr>
+            <a:r>
+              <a:rPr lang="fr-SN" dirty="0"/>
+              <a:t>Combler un gap dans le contexte africain</a:t>
+            </a:r>
           </a:p>
         </p:txBody>
       </p:sp>
     </p:spTree>
     <p:extLst>
       <p:ext uri="{BB962C8B-B14F-4D97-AF65-F5344CB8AC3E}">
-        <p14:creationId xmlns:p14="http://schemas.microsoft.com/office/powerpoint/2010/main" val="4084173201"/>
+        <p14:creationId xmlns:p14="http://schemas.microsoft.com/office/powerpoint/2010/main" val="693339255"/>
       </p:ext>
     </p:extLst>
   </p:cSld>

--- a/Presentation/Presentation Memoire.pptx
+++ b/Presentation/Presentation Memoire.pptx
@@ -528,7 +528,7 @@
           <a:p>
             <a:fld id="{C1E2954D-FDB4-4816-8183-BF77B9D80329}" type="datetimeFigureOut">
               <a:rPr lang="en-US" smtClean="0"/>
-              <a:t>1/27/2025</a:t>
+              <a:t>1/29/2025</a:t>
             </a:fld>
             <a:endParaRPr lang="en-US"/>
           </a:p>
@@ -1026,7 +1026,7 @@
           <a:p>
             <a:fld id="{313C3EDD-6F34-47F4-BF32-3BCE81933B54}" type="datetimeFigureOut">
               <a:rPr lang="en-US" smtClean="0"/>
-              <a:t>1/27/2025</a:t>
+              <a:t>1/29/2025</a:t>
             </a:fld>
             <a:endParaRPr lang="en-US"/>
           </a:p>
@@ -1224,7 +1224,7 @@
           <a:p>
             <a:fld id="{313C3EDD-6F34-47F4-BF32-3BCE81933B54}" type="datetimeFigureOut">
               <a:rPr lang="en-US" smtClean="0"/>
-              <a:t>1/27/2025</a:t>
+              <a:t>1/29/2025</a:t>
             </a:fld>
             <a:endParaRPr lang="en-US"/>
           </a:p>
@@ -1432,7 +1432,7 @@
           <a:p>
             <a:fld id="{313C3EDD-6F34-47F4-BF32-3BCE81933B54}" type="datetimeFigureOut">
               <a:rPr lang="en-US" smtClean="0"/>
-              <a:t>1/27/2025</a:t>
+              <a:t>1/29/2025</a:t>
             </a:fld>
             <a:endParaRPr lang="en-US"/>
           </a:p>
@@ -1630,7 +1630,7 @@
           <a:p>
             <a:fld id="{313C3EDD-6F34-47F4-BF32-3BCE81933B54}" type="datetimeFigureOut">
               <a:rPr lang="en-US" smtClean="0"/>
-              <a:t>1/27/2025</a:t>
+              <a:t>1/29/2025</a:t>
             </a:fld>
             <a:endParaRPr lang="en-US"/>
           </a:p>
@@ -1905,7 +1905,7 @@
           <a:p>
             <a:fld id="{313C3EDD-6F34-47F4-BF32-3BCE81933B54}" type="datetimeFigureOut">
               <a:rPr lang="en-US" smtClean="0"/>
-              <a:t>1/27/2025</a:t>
+              <a:t>1/29/2025</a:t>
             </a:fld>
             <a:endParaRPr lang="en-US"/>
           </a:p>
@@ -2170,7 +2170,7 @@
           <a:p>
             <a:fld id="{313C3EDD-6F34-47F4-BF32-3BCE81933B54}" type="datetimeFigureOut">
               <a:rPr lang="en-US" smtClean="0"/>
-              <a:t>1/27/2025</a:t>
+              <a:t>1/29/2025</a:t>
             </a:fld>
             <a:endParaRPr lang="en-US"/>
           </a:p>
@@ -2582,7 +2582,7 @@
           <a:p>
             <a:fld id="{313C3EDD-6F34-47F4-BF32-3BCE81933B54}" type="datetimeFigureOut">
               <a:rPr lang="en-US" smtClean="0"/>
-              <a:t>1/27/2025</a:t>
+              <a:t>1/29/2025</a:t>
             </a:fld>
             <a:endParaRPr lang="en-US"/>
           </a:p>
@@ -2723,7 +2723,7 @@
           <a:p>
             <a:fld id="{313C3EDD-6F34-47F4-BF32-3BCE81933B54}" type="datetimeFigureOut">
               <a:rPr lang="en-US" smtClean="0"/>
-              <a:t>1/27/2025</a:t>
+              <a:t>1/29/2025</a:t>
             </a:fld>
             <a:endParaRPr lang="en-US"/>
           </a:p>
@@ -2836,7 +2836,7 @@
           <a:p>
             <a:fld id="{313C3EDD-6F34-47F4-BF32-3BCE81933B54}" type="datetimeFigureOut">
               <a:rPr lang="en-US" smtClean="0"/>
-              <a:t>1/27/2025</a:t>
+              <a:t>1/29/2025</a:t>
             </a:fld>
             <a:endParaRPr lang="en-US"/>
           </a:p>
@@ -3147,7 +3147,7 @@
           <a:p>
             <a:fld id="{313C3EDD-6F34-47F4-BF32-3BCE81933B54}" type="datetimeFigureOut">
               <a:rPr lang="en-US" smtClean="0"/>
-              <a:t>1/27/2025</a:t>
+              <a:t>1/29/2025</a:t>
             </a:fld>
             <a:endParaRPr lang="en-US"/>
           </a:p>
@@ -3435,7 +3435,7 @@
           <a:p>
             <a:fld id="{313C3EDD-6F34-47F4-BF32-3BCE81933B54}" type="datetimeFigureOut">
               <a:rPr lang="en-US" smtClean="0"/>
-              <a:t>1/27/2025</a:t>
+              <a:t>1/29/2025</a:t>
             </a:fld>
             <a:endParaRPr lang="en-US"/>
           </a:p>
@@ -3676,7 +3676,7 @@
           <a:p>
             <a:fld id="{313C3EDD-6F34-47F4-BF32-3BCE81933B54}" type="datetimeFigureOut">
               <a:rPr lang="en-US" smtClean="0"/>
-              <a:t>1/27/2025</a:t>
+              <a:t>1/29/2025</a:t>
             </a:fld>
             <a:endParaRPr lang="en-US"/>
           </a:p>
@@ -4344,7 +4344,7 @@
             </a:pPr>
             <a:r>
               <a:rPr lang="fr-SN" dirty="0"/>
-              <a:t>Faire la gestion des risques</a:t>
+              <a:t>Faire la prévention des risques</a:t>
             </a:r>
           </a:p>
           <a:p>
@@ -4519,10 +4519,9 @@
           <a:p>
             <a:pPr algn="l"/>
             <a:r>
-              <a:rPr lang="fr-SN" i="1"/>
+              <a:rPr lang="fr-SN" i="1" dirty="0"/>
               <a:t>Chatbot :</a:t>
             </a:r>
-            <a:endParaRPr lang="fr-SN" i="1" dirty="0"/>
           </a:p>
           <a:p>
             <a:pPr algn="l"/>
@@ -5950,7 +5949,7 @@
         </p:spPr>
         <p:txBody>
           <a:bodyPr>
-            <a:normAutofit/>
+            <a:normAutofit lnSpcReduction="10000"/>
           </a:bodyPr>
           <a:lstStyle/>
           <a:p>
@@ -5970,7 +5969,7 @@
             </a:pPr>
             <a:r>
               <a:rPr lang="fr-SN" dirty="0"/>
-              <a:t>Trouver le meilleurs modèles de régression pour nos données</a:t>
+              <a:t>Trouver le meilleurs modèles de régression pour nos données (vidéo d’une IA qui apprend en temps réel)</a:t>
             </a:r>
           </a:p>
           <a:p>
@@ -5980,8 +5979,13 @@
             </a:pPr>
             <a:r>
               <a:rPr lang="fr-SN" dirty="0"/>
-              <a:t>Exporter le modèle les interactions</a:t>
-            </a:r>
+              <a:t>Exporter le modèle </a:t>
+            </a:r>
+            <a:r>
+              <a:rPr lang="fr-SN"/>
+              <a:t>les interactions</a:t>
+            </a:r>
+            <a:endParaRPr lang="fr-SN" dirty="0"/>
           </a:p>
         </p:txBody>
       </p:sp>
